--- a/gfs_bigtable/GFS_and_Bigtable_xuw.pptx
+++ b/gfs_bigtable/GFS_and_Bigtable_xuw.pptx
@@ -243,7 +243,7 @@
           <a:p>
             <a:fld id="{8D1508D6-1490-D64D-AFE5-EF277922633B}" type="datetimeFigureOut">
               <a:rPr lang="en-US" smtClean="0"/>
-              <a:t>10/2/14</a:t>
+              <a:t>14-10-6</a:t>
             </a:fld>
             <a:endParaRPr lang="en-US"/>
           </a:p>
@@ -654,6 +654,362 @@
 </p:notes>
 </file>
 
+<file path=ppt/notesSlides/notesSlide10.xml><?xml version="1.0" encoding="utf-8"?>
+<p:notes xmlns:a="http://schemas.openxmlformats.org/drawingml/2006/main" xmlns:r="http://schemas.openxmlformats.org/officeDocument/2006/relationships" xmlns:p="http://schemas.openxmlformats.org/presentationml/2006/main">
+  <p:cSld>
+    <p:spTree>
+      <p:nvGrpSpPr>
+        <p:cNvPr id="1" name=""/>
+        <p:cNvGrpSpPr/>
+        <p:nvPr/>
+      </p:nvGrpSpPr>
+      <p:grpSpPr>
+        <a:xfrm>
+          <a:off x="0" y="0"/>
+          <a:ext cx="0" cy="0"/>
+          <a:chOff x="0" y="0"/>
+          <a:chExt cx="0" cy="0"/>
+        </a:xfrm>
+      </p:grpSpPr>
+      <p:sp>
+        <p:nvSpPr>
+          <p:cNvPr id="2" name="幻灯片图像占位符 1"/>
+          <p:cNvSpPr>
+            <a:spLocks noGrp="1" noRot="1" noChangeAspect="1"/>
+          </p:cNvSpPr>
+          <p:nvPr>
+            <p:ph type="sldImg"/>
+          </p:nvPr>
+        </p:nvSpPr>
+        <p:spPr/>
+      </p:sp>
+      <p:sp>
+        <p:nvSpPr>
+          <p:cNvPr id="3" name="备注占位符 2"/>
+          <p:cNvSpPr>
+            <a:spLocks noGrp="1"/>
+          </p:cNvSpPr>
+          <p:nvPr>
+            <p:ph type="body" idx="1"/>
+          </p:nvPr>
+        </p:nvSpPr>
+        <p:spPr/>
+        <p:txBody>
+          <a:bodyPr/>
+          <a:lstStyle/>
+          <a:p>
+            <a:r>
+              <a:rPr kumimoji="1" lang="en-US" altLang="zh-CN" dirty="0" smtClean="0"/>
+              <a:t>pic5</a:t>
+            </a:r>
+            <a:endParaRPr kumimoji="1" lang="zh-CN" altLang="en-US" dirty="0"/>
+          </a:p>
+        </p:txBody>
+      </p:sp>
+      <p:sp>
+        <p:nvSpPr>
+          <p:cNvPr id="4" name="幻灯片编号占位符 3"/>
+          <p:cNvSpPr>
+            <a:spLocks noGrp="1"/>
+          </p:cNvSpPr>
+          <p:nvPr>
+            <p:ph type="sldNum" sz="quarter" idx="10"/>
+          </p:nvPr>
+        </p:nvSpPr>
+        <p:spPr/>
+        <p:txBody>
+          <a:bodyPr/>
+          <a:lstStyle/>
+          <a:p>
+            <a:fld id="{45144E4B-ACBF-A64A-BDF2-B68816EB29CB}" type="slidenum">
+              <a:rPr lang="en-US" smtClean="0"/>
+              <a:t>44</a:t>
+            </a:fld>
+            <a:endParaRPr lang="en-US"/>
+          </a:p>
+        </p:txBody>
+      </p:sp>
+    </p:spTree>
+    <p:extLst>
+      <p:ext uri="{BB962C8B-B14F-4D97-AF65-F5344CB8AC3E}">
+        <p14:creationId xmlns:p14="http://schemas.microsoft.com/office/powerpoint/2010/main" val="3938878998"/>
+      </p:ext>
+    </p:extLst>
+  </p:cSld>
+  <p:clrMapOvr>
+    <a:masterClrMapping/>
+  </p:clrMapOvr>
+</p:notes>
+</file>
+
+<file path=ppt/notesSlides/notesSlide11.xml><?xml version="1.0" encoding="utf-8"?>
+<p:notes xmlns:a="http://schemas.openxmlformats.org/drawingml/2006/main" xmlns:r="http://schemas.openxmlformats.org/officeDocument/2006/relationships" xmlns:p="http://schemas.openxmlformats.org/presentationml/2006/main">
+  <p:cSld>
+    <p:spTree>
+      <p:nvGrpSpPr>
+        <p:cNvPr id="1" name=""/>
+        <p:cNvGrpSpPr/>
+        <p:nvPr/>
+      </p:nvGrpSpPr>
+      <p:grpSpPr>
+        <a:xfrm>
+          <a:off x="0" y="0"/>
+          <a:ext cx="0" cy="0"/>
+          <a:chOff x="0" y="0"/>
+          <a:chExt cx="0" cy="0"/>
+        </a:xfrm>
+      </p:grpSpPr>
+      <p:sp>
+        <p:nvSpPr>
+          <p:cNvPr id="2" name="幻灯片图像占位符 1"/>
+          <p:cNvSpPr>
+            <a:spLocks noGrp="1" noRot="1" noChangeAspect="1"/>
+          </p:cNvSpPr>
+          <p:nvPr>
+            <p:ph type="sldImg"/>
+          </p:nvPr>
+        </p:nvSpPr>
+        <p:spPr/>
+      </p:sp>
+      <p:sp>
+        <p:nvSpPr>
+          <p:cNvPr id="3" name="备注占位符 2"/>
+          <p:cNvSpPr>
+            <a:spLocks noGrp="1"/>
+          </p:cNvSpPr>
+          <p:nvPr>
+            <p:ph type="body" idx="1"/>
+          </p:nvPr>
+        </p:nvSpPr>
+        <p:spPr/>
+        <p:txBody>
+          <a:bodyPr/>
+          <a:lstStyle/>
+          <a:p>
+            <a:r>
+              <a:rPr kumimoji="1" lang="en-US" altLang="zh-CN" dirty="0" smtClean="0"/>
+              <a:t>pic8</a:t>
+            </a:r>
+            <a:endParaRPr kumimoji="1" lang="zh-CN" altLang="en-US" dirty="0"/>
+          </a:p>
+        </p:txBody>
+      </p:sp>
+      <p:sp>
+        <p:nvSpPr>
+          <p:cNvPr id="4" name="幻灯片编号占位符 3"/>
+          <p:cNvSpPr>
+            <a:spLocks noGrp="1"/>
+          </p:cNvSpPr>
+          <p:nvPr>
+            <p:ph type="sldNum" sz="quarter" idx="10"/>
+          </p:nvPr>
+        </p:nvSpPr>
+        <p:spPr/>
+        <p:txBody>
+          <a:bodyPr/>
+          <a:lstStyle/>
+          <a:p>
+            <a:fld id="{45144E4B-ACBF-A64A-BDF2-B68816EB29CB}" type="slidenum">
+              <a:rPr lang="en-US" smtClean="0"/>
+              <a:t>45</a:t>
+            </a:fld>
+            <a:endParaRPr lang="en-US"/>
+          </a:p>
+        </p:txBody>
+      </p:sp>
+    </p:spTree>
+    <p:extLst>
+      <p:ext uri="{BB962C8B-B14F-4D97-AF65-F5344CB8AC3E}">
+        <p14:creationId xmlns:p14="http://schemas.microsoft.com/office/powerpoint/2010/main" val="386774783"/>
+      </p:ext>
+    </p:extLst>
+  </p:cSld>
+  <p:clrMapOvr>
+    <a:masterClrMapping/>
+  </p:clrMapOvr>
+</p:notes>
+</file>
+
+<file path=ppt/notesSlides/notesSlide12.xml><?xml version="1.0" encoding="utf-8"?>
+<p:notes xmlns:a="http://schemas.openxmlformats.org/drawingml/2006/main" xmlns:r="http://schemas.openxmlformats.org/officeDocument/2006/relationships" xmlns:p="http://schemas.openxmlformats.org/presentationml/2006/main">
+  <p:cSld>
+    <p:spTree>
+      <p:nvGrpSpPr>
+        <p:cNvPr id="1" name=""/>
+        <p:cNvGrpSpPr/>
+        <p:nvPr/>
+      </p:nvGrpSpPr>
+      <p:grpSpPr>
+        <a:xfrm>
+          <a:off x="0" y="0"/>
+          <a:ext cx="0" cy="0"/>
+          <a:chOff x="0" y="0"/>
+          <a:chExt cx="0" cy="0"/>
+        </a:xfrm>
+      </p:grpSpPr>
+      <p:sp>
+        <p:nvSpPr>
+          <p:cNvPr id="2" name="Slide Image Placeholder 1"/>
+          <p:cNvSpPr>
+            <a:spLocks noGrp="1" noRot="1" noChangeAspect="1"/>
+          </p:cNvSpPr>
+          <p:nvPr>
+            <p:ph type="sldImg"/>
+          </p:nvPr>
+        </p:nvSpPr>
+        <p:spPr/>
+      </p:sp>
+      <p:sp>
+        <p:nvSpPr>
+          <p:cNvPr id="3" name="Notes Placeholder 2"/>
+          <p:cNvSpPr>
+            <a:spLocks noGrp="1"/>
+          </p:cNvSpPr>
+          <p:nvPr>
+            <p:ph type="body" idx="1"/>
+          </p:nvPr>
+        </p:nvSpPr>
+        <p:spPr/>
+        <p:txBody>
+          <a:bodyPr/>
+          <a:lstStyle/>
+          <a:p>
+            <a:r>
+              <a:rPr lang="en-US" dirty="0" smtClean="0"/>
+              <a:t>Eliminate deletion</a:t>
+            </a:r>
+            <a:r>
+              <a:rPr lang="en-US" baseline="0" dirty="0" smtClean="0"/>
+              <a:t> records</a:t>
+            </a:r>
+            <a:endParaRPr lang="en-US" dirty="0"/>
+          </a:p>
+        </p:txBody>
+      </p:sp>
+      <p:sp>
+        <p:nvSpPr>
+          <p:cNvPr id="4" name="Slide Number Placeholder 3"/>
+          <p:cNvSpPr>
+            <a:spLocks noGrp="1"/>
+          </p:cNvSpPr>
+          <p:nvPr>
+            <p:ph type="sldNum" sz="quarter" idx="10"/>
+          </p:nvPr>
+        </p:nvSpPr>
+        <p:spPr/>
+        <p:txBody>
+          <a:bodyPr/>
+          <a:lstStyle/>
+          <a:p>
+            <a:fld id="{45144E4B-ACBF-A64A-BDF2-B68816EB29CB}" type="slidenum">
+              <a:rPr lang="en-US" smtClean="0"/>
+              <a:t>46</a:t>
+            </a:fld>
+            <a:endParaRPr lang="en-US"/>
+          </a:p>
+        </p:txBody>
+      </p:sp>
+    </p:spTree>
+    <p:extLst>
+      <p:ext uri="{BB962C8B-B14F-4D97-AF65-F5344CB8AC3E}">
+        <p14:creationId xmlns:p14="http://schemas.microsoft.com/office/powerpoint/2010/main" val="2929099289"/>
+      </p:ext>
+    </p:extLst>
+  </p:cSld>
+  <p:clrMapOvr>
+    <a:masterClrMapping/>
+  </p:clrMapOvr>
+</p:notes>
+</file>
+
+<file path=ppt/notesSlides/notesSlide13.xml><?xml version="1.0" encoding="utf-8"?>
+<p:notes xmlns:a="http://schemas.openxmlformats.org/drawingml/2006/main" xmlns:r="http://schemas.openxmlformats.org/officeDocument/2006/relationships" xmlns:p="http://schemas.openxmlformats.org/presentationml/2006/main">
+  <p:cSld>
+    <p:spTree>
+      <p:nvGrpSpPr>
+        <p:cNvPr id="1" name=""/>
+        <p:cNvGrpSpPr/>
+        <p:nvPr/>
+      </p:nvGrpSpPr>
+      <p:grpSpPr>
+        <a:xfrm>
+          <a:off x="0" y="0"/>
+          <a:ext cx="0" cy="0"/>
+          <a:chOff x="0" y="0"/>
+          <a:chExt cx="0" cy="0"/>
+        </a:xfrm>
+      </p:grpSpPr>
+      <p:sp>
+        <p:nvSpPr>
+          <p:cNvPr id="2" name="幻灯片图像占位符 1"/>
+          <p:cNvSpPr>
+            <a:spLocks noGrp="1" noRot="1" noChangeAspect="1"/>
+          </p:cNvSpPr>
+          <p:nvPr>
+            <p:ph type="sldImg"/>
+          </p:nvPr>
+        </p:nvSpPr>
+        <p:spPr/>
+      </p:sp>
+      <p:sp>
+        <p:nvSpPr>
+          <p:cNvPr id="3" name="备注占位符 2"/>
+          <p:cNvSpPr>
+            <a:spLocks noGrp="1"/>
+          </p:cNvSpPr>
+          <p:nvPr>
+            <p:ph type="body" idx="1"/>
+          </p:nvPr>
+        </p:nvSpPr>
+        <p:spPr/>
+        <p:txBody>
+          <a:bodyPr/>
+          <a:lstStyle/>
+          <a:p>
+            <a:r>
+              <a:rPr kumimoji="1" lang="en-US" altLang="zh-CN" dirty="0" smtClean="0"/>
+              <a:t>pic8</a:t>
+            </a:r>
+            <a:endParaRPr kumimoji="1" lang="zh-CN" altLang="en-US" dirty="0"/>
+          </a:p>
+        </p:txBody>
+      </p:sp>
+      <p:sp>
+        <p:nvSpPr>
+          <p:cNvPr id="4" name="幻灯片编号占位符 3"/>
+          <p:cNvSpPr>
+            <a:spLocks noGrp="1"/>
+          </p:cNvSpPr>
+          <p:nvPr>
+            <p:ph type="sldNum" sz="quarter" idx="10"/>
+          </p:nvPr>
+        </p:nvSpPr>
+        <p:spPr/>
+        <p:txBody>
+          <a:bodyPr/>
+          <a:lstStyle/>
+          <a:p>
+            <a:fld id="{45144E4B-ACBF-A64A-BDF2-B68816EB29CB}" type="slidenum">
+              <a:rPr lang="en-US" smtClean="0"/>
+              <a:t>49</a:t>
+            </a:fld>
+            <a:endParaRPr lang="en-US"/>
+          </a:p>
+        </p:txBody>
+      </p:sp>
+    </p:spTree>
+    <p:extLst>
+      <p:ext uri="{BB962C8B-B14F-4D97-AF65-F5344CB8AC3E}">
+        <p14:creationId xmlns:p14="http://schemas.microsoft.com/office/powerpoint/2010/main" val="1927867678"/>
+      </p:ext>
+    </p:extLst>
+  </p:cSld>
+  <p:clrMapOvr>
+    <a:masterClrMapping/>
+  </p:clrMapOvr>
+</p:notes>
+</file>
+
 <file path=ppt/notesSlides/notesSlide2.xml><?xml version="1.0" encoding="utf-8"?>
 <p:notes xmlns:a="http://schemas.openxmlformats.org/drawingml/2006/main" xmlns:r="http://schemas.openxmlformats.org/officeDocument/2006/relationships" xmlns:p="http://schemas.openxmlformats.org/presentationml/2006/main">
   <p:cSld>
@@ -673,7 +1029,7 @@
       </p:grpSpPr>
       <p:sp>
         <p:nvSpPr>
-          <p:cNvPr id="2" name="Slide Image Placeholder 1"/>
+          <p:cNvPr id="2" name="幻灯片图像占位符 1"/>
           <p:cNvSpPr>
             <a:spLocks noGrp="1" noRot="1" noChangeAspect="1"/>
           </p:cNvSpPr>
@@ -685,7 +1041,7 @@
       </p:sp>
       <p:sp>
         <p:nvSpPr>
-          <p:cNvPr id="3" name="Notes Placeholder 2"/>
+          <p:cNvPr id="3" name="备注占位符 2"/>
           <p:cNvSpPr>
             <a:spLocks noGrp="1"/>
           </p:cNvSpPr>
@@ -698,181 +1054,17 @@
           <a:bodyPr/>
           <a:lstStyle/>
           <a:p>
-            <a:pPr eaLnBrk="1" hangingPunct="1"/>
-            <a:r>
-              <a:rPr lang="en-US" sz="1200" dirty="0" smtClean="0">
-                <a:latin typeface="Tahoma" charset="0"/>
-                <a:cs typeface="Arial" charset="0"/>
-              </a:rPr>
-              <a:t>All replicas </a:t>
-            </a:r>
-            <a:r>
-              <a:rPr lang="en-US" sz="1200" dirty="0" smtClean="0">
-                <a:solidFill>
-                  <a:srgbClr val="0000FF"/>
-                </a:solidFill>
-                <a:latin typeface="Tahoma" charset="0"/>
-                <a:cs typeface="Arial" charset="0"/>
-              </a:rPr>
-              <a:t>acknowledge data write to client</a:t>
-            </a:r>
-          </a:p>
-          <a:p>
-            <a:pPr eaLnBrk="1" hangingPunct="1"/>
-            <a:r>
-              <a:rPr lang="en-US" sz="1200" dirty="0" smtClean="0">
-                <a:latin typeface="Tahoma" charset="0"/>
-                <a:cs typeface="Arial" charset="0"/>
-              </a:rPr>
-              <a:t>Client sends </a:t>
-            </a:r>
-            <a:r>
-              <a:rPr lang="en-US" sz="1200" dirty="0" smtClean="0">
-                <a:solidFill>
-                  <a:srgbClr val="0000FF"/>
-                </a:solidFill>
-                <a:latin typeface="Tahoma" charset="0"/>
-                <a:cs typeface="Arial" charset="0"/>
-              </a:rPr>
-              <a:t>write request to primary</a:t>
-            </a:r>
-          </a:p>
-          <a:p>
-            <a:pPr eaLnBrk="1" hangingPunct="1"/>
-            <a:r>
-              <a:rPr lang="en-US" sz="1200" dirty="0" smtClean="0">
-                <a:latin typeface="Tahoma" charset="0"/>
-                <a:cs typeface="Arial" charset="0"/>
-              </a:rPr>
-              <a:t>Primary assigns </a:t>
-            </a:r>
-            <a:r>
-              <a:rPr lang="en-US" sz="1200" dirty="0" smtClean="0">
-                <a:solidFill>
-                  <a:srgbClr val="0000FF"/>
-                </a:solidFill>
-                <a:latin typeface="Tahoma" charset="0"/>
-                <a:cs typeface="Arial" charset="0"/>
-              </a:rPr>
-              <a:t>serial number to write request,</a:t>
-            </a:r>
-            <a:r>
-              <a:rPr lang="en-US" sz="1200" dirty="0" smtClean="0">
-                <a:latin typeface="Tahoma" charset="0"/>
-                <a:cs typeface="Arial" charset="0"/>
-              </a:rPr>
-              <a:t> providing </a:t>
-            </a:r>
-            <a:r>
-              <a:rPr lang="en-US" sz="1200" dirty="0" smtClean="0">
-                <a:solidFill>
-                  <a:srgbClr val="0000FF"/>
-                </a:solidFill>
-                <a:latin typeface="Tahoma" charset="0"/>
-                <a:cs typeface="Arial" charset="0"/>
-              </a:rPr>
-              <a:t>ordering</a:t>
-            </a:r>
-          </a:p>
-          <a:p>
-            <a:pPr eaLnBrk="1" hangingPunct="1"/>
-            <a:r>
-              <a:rPr lang="en-US" sz="1200" dirty="0" smtClean="0">
-                <a:latin typeface="Tahoma" charset="0"/>
-                <a:cs typeface="Arial" charset="0"/>
-              </a:rPr>
-              <a:t>Primary </a:t>
-            </a:r>
-            <a:r>
-              <a:rPr lang="en-US" sz="1200" dirty="0" smtClean="0">
-                <a:solidFill>
-                  <a:srgbClr val="0000FF"/>
-                </a:solidFill>
-                <a:latin typeface="Tahoma" charset="0"/>
-                <a:cs typeface="Arial" charset="0"/>
-              </a:rPr>
-              <a:t>forwards write request with same serial number to </a:t>
-            </a:r>
-            <a:r>
-              <a:rPr lang="en-US" sz="1200" dirty="0" err="1" smtClean="0">
-                <a:solidFill>
-                  <a:srgbClr val="0000FF"/>
-                </a:solidFill>
-                <a:latin typeface="Tahoma" charset="0"/>
-                <a:cs typeface="Arial" charset="0"/>
-              </a:rPr>
-              <a:t>secondaries</a:t>
-            </a:r>
-            <a:endParaRPr lang="en-US" sz="1200" dirty="0" smtClean="0">
-              <a:solidFill>
-                <a:srgbClr val="0000FF"/>
-              </a:solidFill>
-              <a:latin typeface="Tahoma" charset="0"/>
-              <a:cs typeface="Arial" charset="0"/>
-            </a:endParaRPr>
-          </a:p>
-          <a:p>
-            <a:pPr eaLnBrk="1" hangingPunct="1"/>
-            <a:r>
-              <a:rPr lang="en-US" sz="1200" dirty="0" err="1" smtClean="0">
-                <a:latin typeface="Tahoma" charset="0"/>
-                <a:cs typeface="Arial" charset="0"/>
-              </a:rPr>
-              <a:t>Secondaries</a:t>
-            </a:r>
-            <a:r>
-              <a:rPr lang="en-US" sz="1200" dirty="0" smtClean="0">
-                <a:latin typeface="Tahoma" charset="0"/>
-                <a:cs typeface="Arial" charset="0"/>
-              </a:rPr>
-              <a:t> </a:t>
-            </a:r>
-            <a:r>
-              <a:rPr lang="en-US" sz="1200" dirty="0" smtClean="0">
-                <a:solidFill>
-                  <a:srgbClr val="0000FF"/>
-                </a:solidFill>
-                <a:latin typeface="Tahoma" charset="0"/>
-                <a:cs typeface="Arial" charset="0"/>
-              </a:rPr>
-              <a:t>all reply to primary</a:t>
-            </a:r>
-            <a:r>
-              <a:rPr lang="en-US" sz="1200" dirty="0" smtClean="0">
-                <a:latin typeface="Tahoma" charset="0"/>
-                <a:cs typeface="Arial" charset="0"/>
-              </a:rPr>
-              <a:t> after completing write</a:t>
-            </a:r>
-          </a:p>
-          <a:p>
-            <a:pPr eaLnBrk="1" hangingPunct="1"/>
-            <a:r>
-              <a:rPr lang="en-US" sz="1200" dirty="0" smtClean="0">
-                <a:latin typeface="Tahoma" charset="0"/>
-                <a:cs typeface="Arial" charset="0"/>
-              </a:rPr>
-              <a:t>Primary </a:t>
-            </a:r>
-            <a:r>
-              <a:rPr lang="en-US" sz="1200" dirty="0" smtClean="0">
-                <a:solidFill>
-                  <a:srgbClr val="0000FF"/>
-                </a:solidFill>
-                <a:latin typeface="Tahoma" charset="0"/>
-                <a:cs typeface="Arial" charset="0"/>
-              </a:rPr>
-              <a:t>replies to client</a:t>
-            </a:r>
-          </a:p>
-          <a:p>
-            <a:endParaRPr lang="en-US" dirty="0"/>
-          </a:p>
-        </p:txBody>
-      </p:sp>
-      <p:sp>
-        <p:nvSpPr>
-          <p:cNvPr id="4" name="Slide Number Placeholder 3"/>
+            <a:r>
+              <a:rPr kumimoji="1" lang="en-US" altLang="zh-CN" dirty="0" smtClean="0"/>
+              <a:t>pic1</a:t>
+            </a:r>
+            <a:endParaRPr kumimoji="1" lang="zh-CN" altLang="en-US" dirty="0"/>
+          </a:p>
+        </p:txBody>
+      </p:sp>
+      <p:sp>
+        <p:nvSpPr>
+          <p:cNvPr id="4" name="幻灯片编号占位符 3"/>
           <p:cNvSpPr>
             <a:spLocks noGrp="1"/>
           </p:cNvSpPr>
@@ -887,7 +1079,7 @@
           <a:p>
             <a:fld id="{45144E4B-ACBF-A64A-BDF2-B68816EB29CB}" type="slidenum">
               <a:rPr lang="en-US" smtClean="0"/>
-              <a:t>26</a:t>
+              <a:t>17</a:t>
             </a:fld>
             <a:endParaRPr lang="en-US"/>
           </a:p>
@@ -896,7 +1088,7 @@
     </p:spTree>
     <p:extLst>
       <p:ext uri="{BB962C8B-B14F-4D97-AF65-F5344CB8AC3E}">
-        <p14:creationId xmlns:p14="http://schemas.microsoft.com/office/powerpoint/2010/main" val="2230800655"/>
+        <p14:creationId xmlns:p14="http://schemas.microsoft.com/office/powerpoint/2010/main" val="3751351059"/>
       </p:ext>
     </p:extLst>
   </p:cSld>
@@ -950,6 +1142,178 @@
           <a:bodyPr/>
           <a:lstStyle/>
           <a:p>
+            <a:pPr eaLnBrk="1" hangingPunct="1"/>
+            <a:r>
+              <a:rPr lang="en-US" sz="1200" dirty="0" smtClean="0">
+                <a:latin typeface="Tahoma" charset="0"/>
+                <a:cs typeface="Arial" charset="0"/>
+              </a:rPr>
+              <a:t>All replicas </a:t>
+            </a:r>
+            <a:r>
+              <a:rPr lang="en-US" sz="1200" dirty="0" smtClean="0">
+                <a:solidFill>
+                  <a:srgbClr val="0000FF"/>
+                </a:solidFill>
+                <a:latin typeface="Tahoma" charset="0"/>
+                <a:cs typeface="Arial" charset="0"/>
+              </a:rPr>
+              <a:t>acknowledge data write to client</a:t>
+            </a:r>
+          </a:p>
+          <a:p>
+            <a:pPr eaLnBrk="1" hangingPunct="1"/>
+            <a:r>
+              <a:rPr lang="en-US" sz="1200" dirty="0" smtClean="0">
+                <a:latin typeface="Tahoma" charset="0"/>
+                <a:cs typeface="Arial" charset="0"/>
+              </a:rPr>
+              <a:t>Client sends </a:t>
+            </a:r>
+            <a:r>
+              <a:rPr lang="en-US" sz="1200" dirty="0" smtClean="0">
+                <a:solidFill>
+                  <a:srgbClr val="0000FF"/>
+                </a:solidFill>
+                <a:latin typeface="Tahoma" charset="0"/>
+                <a:cs typeface="Arial" charset="0"/>
+              </a:rPr>
+              <a:t>write request to primary</a:t>
+            </a:r>
+          </a:p>
+          <a:p>
+            <a:pPr eaLnBrk="1" hangingPunct="1"/>
+            <a:r>
+              <a:rPr lang="en-US" sz="1200" dirty="0" smtClean="0">
+                <a:latin typeface="Tahoma" charset="0"/>
+                <a:cs typeface="Arial" charset="0"/>
+              </a:rPr>
+              <a:t>Primary assigns </a:t>
+            </a:r>
+            <a:r>
+              <a:rPr lang="en-US" sz="1200" dirty="0" smtClean="0">
+                <a:solidFill>
+                  <a:srgbClr val="0000FF"/>
+                </a:solidFill>
+                <a:latin typeface="Tahoma" charset="0"/>
+                <a:cs typeface="Arial" charset="0"/>
+              </a:rPr>
+              <a:t>serial number to write request,</a:t>
+            </a:r>
+            <a:r>
+              <a:rPr lang="en-US" sz="1200" dirty="0" smtClean="0">
+                <a:latin typeface="Tahoma" charset="0"/>
+                <a:cs typeface="Arial" charset="0"/>
+              </a:rPr>
+              <a:t> providing </a:t>
+            </a:r>
+            <a:r>
+              <a:rPr lang="en-US" sz="1200" dirty="0" smtClean="0">
+                <a:solidFill>
+                  <a:srgbClr val="0000FF"/>
+                </a:solidFill>
+                <a:latin typeface="Tahoma" charset="0"/>
+                <a:cs typeface="Arial" charset="0"/>
+              </a:rPr>
+              <a:t>ordering</a:t>
+            </a:r>
+          </a:p>
+          <a:p>
+            <a:pPr eaLnBrk="1" hangingPunct="1"/>
+            <a:r>
+              <a:rPr lang="en-US" sz="1200" dirty="0" smtClean="0">
+                <a:latin typeface="Tahoma" charset="0"/>
+                <a:cs typeface="Arial" charset="0"/>
+              </a:rPr>
+              <a:t>Primary </a:t>
+            </a:r>
+            <a:r>
+              <a:rPr lang="en-US" sz="1200" dirty="0" smtClean="0">
+                <a:solidFill>
+                  <a:srgbClr val="0000FF"/>
+                </a:solidFill>
+                <a:latin typeface="Tahoma" charset="0"/>
+                <a:cs typeface="Arial" charset="0"/>
+              </a:rPr>
+              <a:t>forwards write request with same serial number to </a:t>
+            </a:r>
+            <a:r>
+              <a:rPr lang="en-US" sz="1200" dirty="0" err="1" smtClean="0">
+                <a:solidFill>
+                  <a:srgbClr val="0000FF"/>
+                </a:solidFill>
+                <a:latin typeface="Tahoma" charset="0"/>
+                <a:cs typeface="Arial" charset="0"/>
+              </a:rPr>
+              <a:t>secondaries</a:t>
+            </a:r>
+            <a:endParaRPr lang="en-US" sz="1200" dirty="0" smtClean="0">
+              <a:solidFill>
+                <a:srgbClr val="0000FF"/>
+              </a:solidFill>
+              <a:latin typeface="Tahoma" charset="0"/>
+              <a:cs typeface="Arial" charset="0"/>
+            </a:endParaRPr>
+          </a:p>
+          <a:p>
+            <a:pPr eaLnBrk="1" hangingPunct="1"/>
+            <a:r>
+              <a:rPr lang="en-US" sz="1200" dirty="0" err="1" smtClean="0">
+                <a:latin typeface="Tahoma" charset="0"/>
+                <a:cs typeface="Arial" charset="0"/>
+              </a:rPr>
+              <a:t>Secondaries</a:t>
+            </a:r>
+            <a:r>
+              <a:rPr lang="en-US" sz="1200" dirty="0" smtClean="0">
+                <a:latin typeface="Tahoma" charset="0"/>
+                <a:cs typeface="Arial" charset="0"/>
+              </a:rPr>
+              <a:t> </a:t>
+            </a:r>
+            <a:r>
+              <a:rPr lang="en-US" sz="1200" dirty="0" smtClean="0">
+                <a:solidFill>
+                  <a:srgbClr val="0000FF"/>
+                </a:solidFill>
+                <a:latin typeface="Tahoma" charset="0"/>
+                <a:cs typeface="Arial" charset="0"/>
+              </a:rPr>
+              <a:t>all reply to primary</a:t>
+            </a:r>
+            <a:r>
+              <a:rPr lang="en-US" sz="1200" dirty="0" smtClean="0">
+                <a:latin typeface="Tahoma" charset="0"/>
+                <a:cs typeface="Arial" charset="0"/>
+              </a:rPr>
+              <a:t> after completing write</a:t>
+            </a:r>
+          </a:p>
+          <a:p>
+            <a:pPr eaLnBrk="1" hangingPunct="1"/>
+            <a:r>
+              <a:rPr lang="en-US" sz="1200" dirty="0" smtClean="0">
+                <a:latin typeface="Tahoma" charset="0"/>
+                <a:cs typeface="Arial" charset="0"/>
+              </a:rPr>
+              <a:t>Primary </a:t>
+            </a:r>
+            <a:r>
+              <a:rPr lang="en-US" sz="1200" dirty="0" smtClean="0">
+                <a:solidFill>
+                  <a:srgbClr val="0000FF"/>
+                </a:solidFill>
+                <a:latin typeface="Tahoma" charset="0"/>
+                <a:cs typeface="Arial" charset="0"/>
+              </a:rPr>
+              <a:t>replies to client</a:t>
+            </a:r>
+          </a:p>
+          <a:p>
+            <a:r>
+              <a:rPr lang="en-US" dirty="0" smtClean="0"/>
+              <a:t>pic2</a:t>
+            </a:r>
             <a:endParaRPr lang="en-US" dirty="0"/>
           </a:p>
         </p:txBody>
@@ -971,7 +1335,7 @@
           <a:p>
             <a:fld id="{45144E4B-ACBF-A64A-BDF2-B68816EB29CB}" type="slidenum">
               <a:rPr lang="en-US" smtClean="0"/>
-              <a:t>27</a:t>
+              <a:t>26</a:t>
             </a:fld>
             <a:endParaRPr lang="en-US"/>
           </a:p>
@@ -980,7 +1344,7 @@
     </p:spTree>
     <p:extLst>
       <p:ext uri="{BB962C8B-B14F-4D97-AF65-F5344CB8AC3E}">
-        <p14:creationId xmlns:p14="http://schemas.microsoft.com/office/powerpoint/2010/main" val="2685167134"/>
+        <p14:creationId xmlns:p14="http://schemas.microsoft.com/office/powerpoint/2010/main" val="2230800655"/>
       </p:ext>
     </p:extLst>
   </p:cSld>
@@ -1034,139 +1398,7 @@
           <a:bodyPr/>
           <a:lstStyle/>
           <a:p>
-            <a:r>
-              <a:rPr lang="en-US" dirty="0" smtClean="0"/>
-              <a:t>Works</a:t>
-            </a:r>
-            <a:r>
-              <a:rPr lang="en-US" dirty="0" smtClean="0"/>
-              <a:t>:</a:t>
-            </a:r>
-          </a:p>
-          <a:p>
-            <a:r>
-              <a:rPr lang="zh-CN" altLang="en-US" dirty="0" smtClean="0"/>
-              <a:t> </a:t>
-            </a:r>
-            <a:r>
-              <a:rPr lang="en-US" altLang="zh-CN" dirty="0" smtClean="0"/>
-              <a:t>-</a:t>
-            </a:r>
-            <a:r>
-              <a:rPr lang="zh-CN" altLang="en-US" dirty="0" smtClean="0"/>
-              <a:t>  </a:t>
-            </a:r>
-            <a:r>
-              <a:rPr lang="en-US" altLang="zh-CN" dirty="0" smtClean="0"/>
-              <a:t>simple</a:t>
-            </a:r>
-            <a:r>
-              <a:rPr lang="zh-CN" altLang="en-US" dirty="0" smtClean="0"/>
-              <a:t> </a:t>
-            </a:r>
-            <a:r>
-              <a:rPr lang="en-US" altLang="zh-CN" dirty="0" smtClean="0"/>
-              <a:t>and</a:t>
-            </a:r>
-            <a:r>
-              <a:rPr lang="zh-CN" altLang="en-US" dirty="0" smtClean="0"/>
-              <a:t> </a:t>
-            </a:r>
-            <a:r>
-              <a:rPr lang="en-US" altLang="zh-CN" dirty="0" smtClean="0"/>
-              <a:t>cheap</a:t>
-            </a:r>
-          </a:p>
-          <a:p>
-            <a:pPr marL="171450" indent="-171450">
-              <a:buFontTx/>
-              <a:buChar char="-"/>
-            </a:pPr>
-            <a:r>
-              <a:rPr lang="en-US" altLang="zh-CN" dirty="0" smtClean="0"/>
-              <a:t>Satisfies</a:t>
-            </a:r>
-            <a:r>
-              <a:rPr lang="zh-CN" altLang="en-US" dirty="0" smtClean="0"/>
-              <a:t> </a:t>
-            </a:r>
-            <a:r>
-              <a:rPr lang="en-US" altLang="zh-CN" dirty="0" smtClean="0"/>
-              <a:t>particular</a:t>
-            </a:r>
-            <a:r>
-              <a:rPr lang="zh-CN" altLang="en-US" dirty="0" smtClean="0"/>
-              <a:t> </a:t>
-            </a:r>
-            <a:r>
-              <a:rPr lang="en-US" altLang="zh-CN" dirty="0" smtClean="0"/>
-              <a:t>application</a:t>
-            </a:r>
-          </a:p>
-          <a:p>
-            <a:pPr marL="171450" indent="-171450">
-              <a:buFontTx/>
-              <a:buChar char="-"/>
-            </a:pPr>
-            <a:endParaRPr lang="en-US" dirty="0" smtClean="0"/>
-          </a:p>
-          <a:p>
-            <a:endParaRPr lang="en-US" dirty="0" smtClean="0"/>
-          </a:p>
-          <a:p>
-            <a:r>
-              <a:rPr lang="en-US" dirty="0" smtClean="0"/>
-              <a:t>Doesn’t really work:</a:t>
-            </a:r>
-          </a:p>
-          <a:p>
-            <a:r>
-              <a:rPr lang="en-US" dirty="0" smtClean="0"/>
-              <a:t> - Not general</a:t>
-            </a:r>
-          </a:p>
-          <a:p>
-            <a:r>
-              <a:rPr lang="zh-CN" altLang="en-US" dirty="0" smtClean="0"/>
-              <a:t> </a:t>
-            </a:r>
-            <a:r>
-              <a:rPr lang="en-US" altLang="zh-CN" dirty="0" smtClean="0"/>
-              <a:t>-</a:t>
-            </a:r>
-            <a:r>
-              <a:rPr lang="zh-CN" altLang="en-US" dirty="0" smtClean="0"/>
-              <a:t> </a:t>
-            </a:r>
-            <a:r>
-              <a:rPr lang="en-US" altLang="zh-CN" dirty="0" smtClean="0"/>
-              <a:t>master</a:t>
-            </a:r>
-            <a:r>
-              <a:rPr lang="zh-CN" altLang="en-US" dirty="0" smtClean="0"/>
-              <a:t> </a:t>
-            </a:r>
-            <a:r>
-              <a:rPr lang="en-US" altLang="zh-CN" dirty="0" smtClean="0"/>
-              <a:t>does</a:t>
-            </a:r>
-            <a:r>
-              <a:rPr lang="zh-CN" altLang="en-US" dirty="0" smtClean="0"/>
-              <a:t> </a:t>
-            </a:r>
-            <a:r>
-              <a:rPr lang="en-US" altLang="zh-CN" dirty="0" smtClean="0"/>
-              <a:t>not</a:t>
-            </a:r>
-            <a:r>
-              <a:rPr lang="zh-CN" altLang="en-US" dirty="0" smtClean="0"/>
-              <a:t> </a:t>
-            </a:r>
-            <a:r>
-              <a:rPr lang="en-US" altLang="zh-CN" dirty="0" smtClean="0"/>
-              <a:t>scale</a:t>
-            </a:r>
-            <a:endParaRPr lang="en-US" dirty="0" smtClean="0"/>
+            <a:endParaRPr lang="en-US" dirty="0"/>
           </a:p>
         </p:txBody>
       </p:sp>
@@ -1187,7 +1419,7 @@
           <a:p>
             <a:fld id="{45144E4B-ACBF-A64A-BDF2-B68816EB29CB}" type="slidenum">
               <a:rPr lang="en-US" smtClean="0"/>
-              <a:t>31</a:t>
+              <a:t>27</a:t>
             </a:fld>
             <a:endParaRPr lang="en-US"/>
           </a:p>
@@ -1196,7 +1428,7 @@
     </p:spTree>
     <p:extLst>
       <p:ext uri="{BB962C8B-B14F-4D97-AF65-F5344CB8AC3E}">
-        <p14:creationId xmlns:p14="http://schemas.microsoft.com/office/powerpoint/2010/main" val="4263949138"/>
+        <p14:creationId xmlns:p14="http://schemas.microsoft.com/office/powerpoint/2010/main" val="2685167134"/>
       </p:ext>
     </p:extLst>
   </p:cSld>
@@ -1252,13 +1484,133 @@
           <a:p>
             <a:r>
               <a:rPr lang="en-US" dirty="0" smtClean="0"/>
-              <a:t>Eliminate deletion</a:t>
-            </a:r>
-            <a:r>
-              <a:rPr lang="en-US" baseline="0" dirty="0" smtClean="0"/>
-              <a:t> records</a:t>
-            </a:r>
-            <a:endParaRPr lang="en-US" dirty="0"/>
+              <a:t>Works:</a:t>
+            </a:r>
+          </a:p>
+          <a:p>
+            <a:r>
+              <a:rPr lang="zh-CN" altLang="en-US" dirty="0" smtClean="0"/>
+              <a:t> </a:t>
+            </a:r>
+            <a:r>
+              <a:rPr lang="en-US" altLang="zh-CN" dirty="0" smtClean="0"/>
+              <a:t>-</a:t>
+            </a:r>
+            <a:r>
+              <a:rPr lang="zh-CN" altLang="en-US" dirty="0" smtClean="0"/>
+              <a:t>  </a:t>
+            </a:r>
+            <a:r>
+              <a:rPr lang="en-US" altLang="zh-CN" dirty="0" smtClean="0"/>
+              <a:t>simple</a:t>
+            </a:r>
+            <a:r>
+              <a:rPr lang="zh-CN" altLang="en-US" dirty="0" smtClean="0"/>
+              <a:t> </a:t>
+            </a:r>
+            <a:r>
+              <a:rPr lang="en-US" altLang="zh-CN" dirty="0" smtClean="0"/>
+              <a:t>and</a:t>
+            </a:r>
+            <a:r>
+              <a:rPr lang="zh-CN" altLang="en-US" dirty="0" smtClean="0"/>
+              <a:t> </a:t>
+            </a:r>
+            <a:r>
+              <a:rPr lang="en-US" altLang="zh-CN" dirty="0" smtClean="0"/>
+              <a:t>cheap</a:t>
+            </a:r>
+          </a:p>
+          <a:p>
+            <a:pPr marL="171450" indent="-171450">
+              <a:buFontTx/>
+              <a:buChar char="-"/>
+            </a:pPr>
+            <a:r>
+              <a:rPr lang="en-US" altLang="zh-CN" dirty="0" smtClean="0"/>
+              <a:t>Satisfies</a:t>
+            </a:r>
+            <a:r>
+              <a:rPr lang="zh-CN" altLang="en-US" dirty="0" smtClean="0"/>
+              <a:t> </a:t>
+            </a:r>
+            <a:r>
+              <a:rPr lang="en-US" altLang="zh-CN" dirty="0" smtClean="0"/>
+              <a:t>particular</a:t>
+            </a:r>
+            <a:r>
+              <a:rPr lang="zh-CN" altLang="en-US" dirty="0" smtClean="0"/>
+              <a:t> </a:t>
+            </a:r>
+            <a:r>
+              <a:rPr lang="en-US" altLang="zh-CN" dirty="0" smtClean="0"/>
+              <a:t>application</a:t>
+            </a:r>
+          </a:p>
+          <a:p>
+            <a:pPr marL="171450" indent="-171450">
+              <a:buFontTx/>
+              <a:buChar char="-"/>
+            </a:pPr>
+            <a:endParaRPr lang="en-US" dirty="0" smtClean="0"/>
+          </a:p>
+          <a:p>
+            <a:endParaRPr lang="en-US" dirty="0" smtClean="0"/>
+          </a:p>
+          <a:p>
+            <a:r>
+              <a:rPr lang="en-US" dirty="0" smtClean="0"/>
+              <a:t>Doesn’t really work:</a:t>
+            </a:r>
+          </a:p>
+          <a:p>
+            <a:r>
+              <a:rPr lang="en-US" dirty="0" smtClean="0"/>
+              <a:t> - Not general</a:t>
+            </a:r>
+          </a:p>
+          <a:p>
+            <a:r>
+              <a:rPr lang="zh-CN" altLang="en-US" dirty="0" smtClean="0"/>
+              <a:t> </a:t>
+            </a:r>
+            <a:r>
+              <a:rPr lang="en-US" altLang="zh-CN" dirty="0" smtClean="0"/>
+              <a:t>-</a:t>
+            </a:r>
+            <a:r>
+              <a:rPr lang="zh-CN" altLang="en-US" dirty="0" smtClean="0"/>
+              <a:t> </a:t>
+            </a:r>
+            <a:r>
+              <a:rPr lang="en-US" altLang="zh-CN" dirty="0" smtClean="0"/>
+              <a:t>master</a:t>
+            </a:r>
+            <a:r>
+              <a:rPr lang="zh-CN" altLang="en-US" dirty="0" smtClean="0"/>
+              <a:t> </a:t>
+            </a:r>
+            <a:r>
+              <a:rPr lang="en-US" altLang="zh-CN" dirty="0" smtClean="0"/>
+              <a:t>does</a:t>
+            </a:r>
+            <a:r>
+              <a:rPr lang="zh-CN" altLang="en-US" dirty="0" smtClean="0"/>
+              <a:t> </a:t>
+            </a:r>
+            <a:r>
+              <a:rPr lang="en-US" altLang="zh-CN" dirty="0" smtClean="0"/>
+              <a:t>not</a:t>
+            </a:r>
+            <a:r>
+              <a:rPr lang="zh-CN" altLang="en-US" dirty="0" smtClean="0"/>
+              <a:t> </a:t>
+            </a:r>
+            <a:r>
+              <a:rPr lang="en-US" altLang="zh-CN" dirty="0" smtClean="0"/>
+              <a:t>scale</a:t>
+            </a:r>
+            <a:endParaRPr lang="en-US" dirty="0" smtClean="0"/>
           </a:p>
         </p:txBody>
       </p:sp>
@@ -1279,7 +1631,7 @@
           <a:p>
             <a:fld id="{45144E4B-ACBF-A64A-BDF2-B68816EB29CB}" type="slidenum">
               <a:rPr lang="en-US" smtClean="0"/>
-              <a:t>46</a:t>
+              <a:t>31</a:t>
             </a:fld>
             <a:endParaRPr lang="en-US"/>
           </a:p>
@@ -1288,7 +1640,359 @@
     </p:spTree>
     <p:extLst>
       <p:ext uri="{BB962C8B-B14F-4D97-AF65-F5344CB8AC3E}">
-        <p14:creationId xmlns:p14="http://schemas.microsoft.com/office/powerpoint/2010/main" val="2929099289"/>
+        <p14:creationId xmlns:p14="http://schemas.microsoft.com/office/powerpoint/2010/main" val="4263949138"/>
+      </p:ext>
+    </p:extLst>
+  </p:cSld>
+  <p:clrMapOvr>
+    <a:masterClrMapping/>
+  </p:clrMapOvr>
+</p:notes>
+</file>
+
+<file path=ppt/notesSlides/notesSlide6.xml><?xml version="1.0" encoding="utf-8"?>
+<p:notes xmlns:a="http://schemas.openxmlformats.org/drawingml/2006/main" xmlns:r="http://schemas.openxmlformats.org/officeDocument/2006/relationships" xmlns:p="http://schemas.openxmlformats.org/presentationml/2006/main">
+  <p:cSld>
+    <p:spTree>
+      <p:nvGrpSpPr>
+        <p:cNvPr id="1" name=""/>
+        <p:cNvGrpSpPr/>
+        <p:nvPr/>
+      </p:nvGrpSpPr>
+      <p:grpSpPr>
+        <a:xfrm>
+          <a:off x="0" y="0"/>
+          <a:ext cx="0" cy="0"/>
+          <a:chOff x="0" y="0"/>
+          <a:chExt cx="0" cy="0"/>
+        </a:xfrm>
+      </p:grpSpPr>
+      <p:sp>
+        <p:nvSpPr>
+          <p:cNvPr id="2" name="幻灯片图像占位符 1"/>
+          <p:cNvSpPr>
+            <a:spLocks noGrp="1" noRot="1" noChangeAspect="1"/>
+          </p:cNvSpPr>
+          <p:nvPr>
+            <p:ph type="sldImg"/>
+          </p:nvPr>
+        </p:nvSpPr>
+        <p:spPr/>
+      </p:sp>
+      <p:sp>
+        <p:nvSpPr>
+          <p:cNvPr id="3" name="备注占位符 2"/>
+          <p:cNvSpPr>
+            <a:spLocks noGrp="1"/>
+          </p:cNvSpPr>
+          <p:nvPr>
+            <p:ph type="body" idx="1"/>
+          </p:nvPr>
+        </p:nvSpPr>
+        <p:spPr/>
+        <p:txBody>
+          <a:bodyPr/>
+          <a:lstStyle/>
+          <a:p>
+            <a:r>
+              <a:rPr kumimoji="1" lang="en-US" altLang="zh-CN" dirty="0" smtClean="0"/>
+              <a:t>pic3</a:t>
+            </a:r>
+            <a:endParaRPr kumimoji="1" lang="zh-CN" altLang="en-US" dirty="0"/>
+          </a:p>
+        </p:txBody>
+      </p:sp>
+      <p:sp>
+        <p:nvSpPr>
+          <p:cNvPr id="4" name="幻灯片编号占位符 3"/>
+          <p:cNvSpPr>
+            <a:spLocks noGrp="1"/>
+          </p:cNvSpPr>
+          <p:nvPr>
+            <p:ph type="sldNum" sz="quarter" idx="10"/>
+          </p:nvPr>
+        </p:nvSpPr>
+        <p:spPr/>
+        <p:txBody>
+          <a:bodyPr/>
+          <a:lstStyle/>
+          <a:p>
+            <a:fld id="{45144E4B-ACBF-A64A-BDF2-B68816EB29CB}" type="slidenum">
+              <a:rPr lang="en-US" smtClean="0"/>
+              <a:t>36</a:t>
+            </a:fld>
+            <a:endParaRPr lang="en-US"/>
+          </a:p>
+        </p:txBody>
+      </p:sp>
+    </p:spTree>
+    <p:extLst>
+      <p:ext uri="{BB962C8B-B14F-4D97-AF65-F5344CB8AC3E}">
+        <p14:creationId xmlns:p14="http://schemas.microsoft.com/office/powerpoint/2010/main" val="2088709057"/>
+      </p:ext>
+    </p:extLst>
+  </p:cSld>
+  <p:clrMapOvr>
+    <a:masterClrMapping/>
+  </p:clrMapOvr>
+</p:notes>
+</file>
+
+<file path=ppt/notesSlides/notesSlide7.xml><?xml version="1.0" encoding="utf-8"?>
+<p:notes xmlns:a="http://schemas.openxmlformats.org/drawingml/2006/main" xmlns:r="http://schemas.openxmlformats.org/officeDocument/2006/relationships" xmlns:p="http://schemas.openxmlformats.org/presentationml/2006/main">
+  <p:cSld>
+    <p:spTree>
+      <p:nvGrpSpPr>
+        <p:cNvPr id="1" name=""/>
+        <p:cNvGrpSpPr/>
+        <p:nvPr/>
+      </p:nvGrpSpPr>
+      <p:grpSpPr>
+        <a:xfrm>
+          <a:off x="0" y="0"/>
+          <a:ext cx="0" cy="0"/>
+          <a:chOff x="0" y="0"/>
+          <a:chExt cx="0" cy="0"/>
+        </a:xfrm>
+      </p:grpSpPr>
+      <p:sp>
+        <p:nvSpPr>
+          <p:cNvPr id="2" name="幻灯片图像占位符 1"/>
+          <p:cNvSpPr>
+            <a:spLocks noGrp="1" noRot="1" noChangeAspect="1"/>
+          </p:cNvSpPr>
+          <p:nvPr>
+            <p:ph type="sldImg"/>
+          </p:nvPr>
+        </p:nvSpPr>
+        <p:spPr/>
+      </p:sp>
+      <p:sp>
+        <p:nvSpPr>
+          <p:cNvPr id="3" name="备注占位符 2"/>
+          <p:cNvSpPr>
+            <a:spLocks noGrp="1"/>
+          </p:cNvSpPr>
+          <p:nvPr>
+            <p:ph type="body" idx="1"/>
+          </p:nvPr>
+        </p:nvSpPr>
+        <p:spPr/>
+        <p:txBody>
+          <a:bodyPr/>
+          <a:lstStyle/>
+          <a:p>
+            <a:r>
+              <a:rPr kumimoji="1" lang="en-US" altLang="zh-CN" dirty="0" smtClean="0"/>
+              <a:t>pic4</a:t>
+            </a:r>
+            <a:endParaRPr kumimoji="1" lang="zh-CN" altLang="en-US" dirty="0"/>
+          </a:p>
+        </p:txBody>
+      </p:sp>
+      <p:sp>
+        <p:nvSpPr>
+          <p:cNvPr id="4" name="幻灯片编号占位符 3"/>
+          <p:cNvSpPr>
+            <a:spLocks noGrp="1"/>
+          </p:cNvSpPr>
+          <p:nvPr>
+            <p:ph type="sldNum" sz="quarter" idx="10"/>
+          </p:nvPr>
+        </p:nvSpPr>
+        <p:spPr/>
+        <p:txBody>
+          <a:bodyPr/>
+          <a:lstStyle/>
+          <a:p>
+            <a:fld id="{45144E4B-ACBF-A64A-BDF2-B68816EB29CB}" type="slidenum">
+              <a:rPr lang="en-US" smtClean="0"/>
+              <a:t>38</a:t>
+            </a:fld>
+            <a:endParaRPr lang="en-US"/>
+          </a:p>
+        </p:txBody>
+      </p:sp>
+    </p:spTree>
+    <p:extLst>
+      <p:ext uri="{BB962C8B-B14F-4D97-AF65-F5344CB8AC3E}">
+        <p14:creationId xmlns:p14="http://schemas.microsoft.com/office/powerpoint/2010/main" val="2779308038"/>
+      </p:ext>
+    </p:extLst>
+  </p:cSld>
+  <p:clrMapOvr>
+    <a:masterClrMapping/>
+  </p:clrMapOvr>
+</p:notes>
+</file>
+
+<file path=ppt/notesSlides/notesSlide8.xml><?xml version="1.0" encoding="utf-8"?>
+<p:notes xmlns:a="http://schemas.openxmlformats.org/drawingml/2006/main" xmlns:r="http://schemas.openxmlformats.org/officeDocument/2006/relationships" xmlns:p="http://schemas.openxmlformats.org/presentationml/2006/main">
+  <p:cSld>
+    <p:spTree>
+      <p:nvGrpSpPr>
+        <p:cNvPr id="1" name=""/>
+        <p:cNvGrpSpPr/>
+        <p:nvPr/>
+      </p:nvGrpSpPr>
+      <p:grpSpPr>
+        <a:xfrm>
+          <a:off x="0" y="0"/>
+          <a:ext cx="0" cy="0"/>
+          <a:chOff x="0" y="0"/>
+          <a:chExt cx="0" cy="0"/>
+        </a:xfrm>
+      </p:grpSpPr>
+      <p:sp>
+        <p:nvSpPr>
+          <p:cNvPr id="2" name="幻灯片图像占位符 1"/>
+          <p:cNvSpPr>
+            <a:spLocks noGrp="1" noRot="1" noChangeAspect="1"/>
+          </p:cNvSpPr>
+          <p:nvPr>
+            <p:ph type="sldImg"/>
+          </p:nvPr>
+        </p:nvSpPr>
+        <p:spPr/>
+      </p:sp>
+      <p:sp>
+        <p:nvSpPr>
+          <p:cNvPr id="3" name="备注占位符 2"/>
+          <p:cNvSpPr>
+            <a:spLocks noGrp="1"/>
+          </p:cNvSpPr>
+          <p:nvPr>
+            <p:ph type="body" idx="1"/>
+          </p:nvPr>
+        </p:nvSpPr>
+        <p:spPr/>
+        <p:txBody>
+          <a:bodyPr/>
+          <a:lstStyle/>
+          <a:p>
+            <a:r>
+              <a:rPr kumimoji="1" lang="en-US" altLang="zh-CN" dirty="0" smtClean="0"/>
+              <a:t>pic6</a:t>
+            </a:r>
+            <a:endParaRPr kumimoji="1" lang="zh-CN" altLang="en-US" dirty="0"/>
+          </a:p>
+        </p:txBody>
+      </p:sp>
+      <p:sp>
+        <p:nvSpPr>
+          <p:cNvPr id="4" name="幻灯片编号占位符 3"/>
+          <p:cNvSpPr>
+            <a:spLocks noGrp="1"/>
+          </p:cNvSpPr>
+          <p:nvPr>
+            <p:ph type="sldNum" sz="quarter" idx="10"/>
+          </p:nvPr>
+        </p:nvSpPr>
+        <p:spPr/>
+        <p:txBody>
+          <a:bodyPr/>
+          <a:lstStyle/>
+          <a:p>
+            <a:fld id="{45144E4B-ACBF-A64A-BDF2-B68816EB29CB}" type="slidenum">
+              <a:rPr lang="en-US" smtClean="0"/>
+              <a:t>41</a:t>
+            </a:fld>
+            <a:endParaRPr lang="en-US"/>
+          </a:p>
+        </p:txBody>
+      </p:sp>
+    </p:spTree>
+    <p:extLst>
+      <p:ext uri="{BB962C8B-B14F-4D97-AF65-F5344CB8AC3E}">
+        <p14:creationId xmlns:p14="http://schemas.microsoft.com/office/powerpoint/2010/main" val="4080942201"/>
+      </p:ext>
+    </p:extLst>
+  </p:cSld>
+  <p:clrMapOvr>
+    <a:masterClrMapping/>
+  </p:clrMapOvr>
+</p:notes>
+</file>
+
+<file path=ppt/notesSlides/notesSlide9.xml><?xml version="1.0" encoding="utf-8"?>
+<p:notes xmlns:a="http://schemas.openxmlformats.org/drawingml/2006/main" xmlns:r="http://schemas.openxmlformats.org/officeDocument/2006/relationships" xmlns:p="http://schemas.openxmlformats.org/presentationml/2006/main">
+  <p:cSld>
+    <p:spTree>
+      <p:nvGrpSpPr>
+        <p:cNvPr id="1" name=""/>
+        <p:cNvGrpSpPr/>
+        <p:nvPr/>
+      </p:nvGrpSpPr>
+      <p:grpSpPr>
+        <a:xfrm>
+          <a:off x="0" y="0"/>
+          <a:ext cx="0" cy="0"/>
+          <a:chOff x="0" y="0"/>
+          <a:chExt cx="0" cy="0"/>
+        </a:xfrm>
+      </p:grpSpPr>
+      <p:sp>
+        <p:nvSpPr>
+          <p:cNvPr id="2" name="幻灯片图像占位符 1"/>
+          <p:cNvSpPr>
+            <a:spLocks noGrp="1" noRot="1" noChangeAspect="1"/>
+          </p:cNvSpPr>
+          <p:nvPr>
+            <p:ph type="sldImg"/>
+          </p:nvPr>
+        </p:nvSpPr>
+        <p:spPr/>
+      </p:sp>
+      <p:sp>
+        <p:nvSpPr>
+          <p:cNvPr id="3" name="备注占位符 2"/>
+          <p:cNvSpPr>
+            <a:spLocks noGrp="1"/>
+          </p:cNvSpPr>
+          <p:nvPr>
+            <p:ph type="body" idx="1"/>
+          </p:nvPr>
+        </p:nvSpPr>
+        <p:spPr/>
+        <p:txBody>
+          <a:bodyPr/>
+          <a:lstStyle/>
+          <a:p>
+            <a:r>
+              <a:rPr kumimoji="1" lang="en-US" altLang="zh-CN" dirty="0" smtClean="0"/>
+              <a:t>pic7</a:t>
+            </a:r>
+            <a:endParaRPr kumimoji="1" lang="zh-CN" altLang="en-US" dirty="0"/>
+          </a:p>
+        </p:txBody>
+      </p:sp>
+      <p:sp>
+        <p:nvSpPr>
+          <p:cNvPr id="4" name="幻灯片编号占位符 3"/>
+          <p:cNvSpPr>
+            <a:spLocks noGrp="1"/>
+          </p:cNvSpPr>
+          <p:nvPr>
+            <p:ph type="sldNum" sz="quarter" idx="10"/>
+          </p:nvPr>
+        </p:nvSpPr>
+        <p:spPr/>
+        <p:txBody>
+          <a:bodyPr/>
+          <a:lstStyle/>
+          <a:p>
+            <a:fld id="{45144E4B-ACBF-A64A-BDF2-B68816EB29CB}" type="slidenum">
+              <a:rPr lang="en-US" smtClean="0"/>
+              <a:t>43</a:t>
+            </a:fld>
+            <a:endParaRPr lang="en-US"/>
+          </a:p>
+        </p:txBody>
+      </p:sp>
+    </p:spTree>
+    <p:extLst>
+      <p:ext uri="{BB962C8B-B14F-4D97-AF65-F5344CB8AC3E}">
+        <p14:creationId xmlns:p14="http://schemas.microsoft.com/office/powerpoint/2010/main" val="1798363452"/>
       </p:ext>
     </p:extLst>
   </p:cSld>
@@ -1479,7 +2183,7 @@
           <a:p>
             <a:fld id="{23585B42-88CD-1042-946E-849D5109B132}" type="datetimeFigureOut">
               <a:rPr lang="en-US" smtClean="0"/>
-              <a:t>10/2/14</a:t>
+              <a:t>14-10-6</a:t>
             </a:fld>
             <a:endParaRPr lang="en-US"/>
           </a:p>
@@ -1649,7 +2353,7 @@
           <a:p>
             <a:fld id="{23585B42-88CD-1042-946E-849D5109B132}" type="datetimeFigureOut">
               <a:rPr lang="en-US" smtClean="0"/>
-              <a:t>10/2/14</a:t>
+              <a:t>14-10-6</a:t>
             </a:fld>
             <a:endParaRPr lang="en-US"/>
           </a:p>
@@ -1829,7 +2533,7 @@
           <a:p>
             <a:fld id="{23585B42-88CD-1042-946E-849D5109B132}" type="datetimeFigureOut">
               <a:rPr lang="en-US" smtClean="0"/>
-              <a:t>10/2/14</a:t>
+              <a:t>14-10-6</a:t>
             </a:fld>
             <a:endParaRPr lang="en-US"/>
           </a:p>
@@ -1999,7 +2703,7 @@
           <a:p>
             <a:fld id="{23585B42-88CD-1042-946E-849D5109B132}" type="datetimeFigureOut">
               <a:rPr lang="en-US" smtClean="0"/>
-              <a:t>10/2/14</a:t>
+              <a:t>14-10-6</a:t>
             </a:fld>
             <a:endParaRPr lang="en-US"/>
           </a:p>
@@ -2245,7 +2949,7 @@
           <a:p>
             <a:fld id="{23585B42-88CD-1042-946E-849D5109B132}" type="datetimeFigureOut">
               <a:rPr lang="en-US" smtClean="0"/>
-              <a:t>10/2/14</a:t>
+              <a:t>14-10-6</a:t>
             </a:fld>
             <a:endParaRPr lang="en-US"/>
           </a:p>
@@ -2533,7 +3237,7 @@
           <a:p>
             <a:fld id="{23585B42-88CD-1042-946E-849D5109B132}" type="datetimeFigureOut">
               <a:rPr lang="en-US" smtClean="0"/>
-              <a:t>10/2/14</a:t>
+              <a:t>14-10-6</a:t>
             </a:fld>
             <a:endParaRPr lang="en-US"/>
           </a:p>
@@ -2955,7 +3659,7 @@
           <a:p>
             <a:fld id="{23585B42-88CD-1042-946E-849D5109B132}" type="datetimeFigureOut">
               <a:rPr lang="en-US" smtClean="0"/>
-              <a:t>10/2/14</a:t>
+              <a:t>14-10-6</a:t>
             </a:fld>
             <a:endParaRPr lang="en-US"/>
           </a:p>
@@ -3073,7 +3777,7 @@
           <a:p>
             <a:fld id="{23585B42-88CD-1042-946E-849D5109B132}" type="datetimeFigureOut">
               <a:rPr lang="en-US" smtClean="0"/>
-              <a:t>10/2/14</a:t>
+              <a:t>14-10-6</a:t>
             </a:fld>
             <a:endParaRPr lang="en-US"/>
           </a:p>
@@ -3168,7 +3872,7 @@
           <a:p>
             <a:fld id="{23585B42-88CD-1042-946E-849D5109B132}" type="datetimeFigureOut">
               <a:rPr lang="en-US" smtClean="0"/>
-              <a:t>10/2/14</a:t>
+              <a:t>14-10-6</a:t>
             </a:fld>
             <a:endParaRPr lang="en-US"/>
           </a:p>
@@ -3445,7 +4149,7 @@
           <a:p>
             <a:fld id="{23585B42-88CD-1042-946E-849D5109B132}" type="datetimeFigureOut">
               <a:rPr lang="en-US" smtClean="0"/>
-              <a:t>10/2/14</a:t>
+              <a:t>14-10-6</a:t>
             </a:fld>
             <a:endParaRPr lang="en-US"/>
           </a:p>
@@ -3698,7 +4402,7 @@
           <a:p>
             <a:fld id="{23585B42-88CD-1042-946E-849D5109B132}" type="datetimeFigureOut">
               <a:rPr lang="en-US" smtClean="0"/>
-              <a:t>10/2/14</a:t>
+              <a:t>14-10-6</a:t>
             </a:fld>
             <a:endParaRPr lang="en-US"/>
           </a:p>
@@ -3911,7 +4615,7 @@
           <a:p>
             <a:fld id="{23585B42-88CD-1042-946E-849D5109B132}" type="datetimeFigureOut">
               <a:rPr lang="en-US" smtClean="0"/>
-              <a:t>10/2/14</a:t>
+              <a:t>14-10-6</a:t>
             </a:fld>
             <a:endParaRPr lang="en-US"/>
           </a:p>
@@ -8675,7 +9379,7 @@
             <a:p>
               <a:pPr eaLnBrk="1" hangingPunct="1"/>
               <a:r>
-                <a:rPr lang="en-US" sz="1600" b="0">
+                <a:rPr lang="en-US" sz="1600" b="0" dirty="0">
                   <a:solidFill>
                     <a:srgbClr val="000000"/>
                   </a:solidFill>
@@ -9366,7 +10070,7 @@
           <a:p>
             <a:pPr eaLnBrk="1" hangingPunct="1"/>
             <a:r>
-              <a:rPr lang="en-US" sz="1800" b="0">
+              <a:rPr lang="en-US" sz="1800" b="0" dirty="0">
                 <a:latin typeface="Helvetica" charset="0"/>
               </a:rPr>
               <a:t>Master/Directory</a:t>
@@ -10893,7 +11597,7 @@
             <a:p>
               <a:pPr eaLnBrk="1" hangingPunct="1"/>
               <a:r>
-                <a:rPr lang="en-US" sz="1600" b="0">
+                <a:rPr lang="en-US" sz="1600" b="0" dirty="0">
                   <a:solidFill>
                     <a:srgbClr val="FF0000"/>
                   </a:solidFill>
@@ -10902,7 +11606,7 @@
                 <a:t>put(K14, V14’</a:t>
               </a:r>
               <a:r>
-                <a:rPr lang="en-US" altLang="ja-JP" sz="1600" b="0">
+                <a:rPr lang="en-US" altLang="ja-JP" sz="1600" b="0" dirty="0">
                   <a:solidFill>
                     <a:srgbClr val="FF0000"/>
                   </a:solidFill>
@@ -10910,7 +11614,7 @@
                 </a:rPr>
                 <a:t>)</a:t>
               </a:r>
-              <a:endParaRPr lang="en-US" sz="1600" b="0">
+              <a:endParaRPr lang="en-US" sz="1600" b="0" dirty="0">
                 <a:solidFill>
                   <a:srgbClr val="FF0000"/>
                 </a:solidFill>
@@ -12510,56 +13214,32 @@
       </p:sp>
       <p:pic>
         <p:nvPicPr>
-          <p:cNvPr id="4" name="Picture 8" descr="Picture 1"/>
+          <p:cNvPr id="3" name="图片 2" descr="pic1.eps"/>
           <p:cNvPicPr>
-            <a:picLocks noChangeAspect="1" noChangeArrowheads="1"/>
+            <a:picLocks noChangeAspect="1"/>
           </p:cNvPicPr>
           <p:nvPr/>
         </p:nvPicPr>
         <p:blipFill>
-          <a:blip r:embed="rId2">
+          <a:blip r:embed="rId3">
             <a:extLst>
               <a:ext uri="{28A0092B-C50C-407E-A947-70E740481C1C}">
                 <a14:useLocalDpi xmlns:a14="http://schemas.microsoft.com/office/drawing/2010/main" val="0"/>
               </a:ext>
             </a:extLst>
           </a:blip>
-          <a:srcRect/>
           <a:stretch>
             <a:fillRect/>
           </a:stretch>
         </p:blipFill>
-        <p:spPr bwMode="auto">
+        <p:spPr>
           <a:xfrm>
-            <a:off x="0" y="1905000"/>
-            <a:ext cx="9144000" cy="3895725"/>
+            <a:off x="0" y="1297406"/>
+            <a:ext cx="9144000" cy="4324865"/>
           </a:xfrm>
           <a:prstGeom prst="rect">
             <a:avLst/>
           </a:prstGeom>
-          <a:noFill/>
-          <a:ln>
-            <a:noFill/>
-          </a:ln>
-          <a:extLst>
-            <a:ext uri="{909E8E84-426E-40dd-AFC4-6F175D3DCCD1}">
-              <a14:hiddenFill xmlns:a14="http://schemas.microsoft.com/office/drawing/2010/main">
-                <a:solidFill>
-                  <a:srgbClr val="FFFFFF"/>
-                </a:solidFill>
-              </a14:hiddenFill>
-            </a:ext>
-            <a:ext uri="{91240B29-F687-4f45-9708-019B960494DF}">
-              <a14:hiddenLine xmlns:a14="http://schemas.microsoft.com/office/drawing/2010/main" w="9525">
-                <a:solidFill>
-                  <a:srgbClr val="000000"/>
-                </a:solidFill>
-                <a:miter lim="800000"/>
-                <a:headEnd/>
-                <a:tailEnd/>
-              </a14:hiddenLine>
-            </a:ext>
-          </a:extLst>
         </p:spPr>
       </p:pic>
     </p:spTree>
@@ -14501,9 +15181,9 @@
       </p:sp>
       <p:pic>
         <p:nvPicPr>
-          <p:cNvPr id="4" name="Picture 5" descr="fig2"/>
+          <p:cNvPr id="3" name="图片 2" descr="pic2.eps"/>
           <p:cNvPicPr>
-            <a:picLocks noChangeAspect="1" noChangeArrowheads="1"/>
+            <a:picLocks noChangeAspect="1"/>
           </p:cNvPicPr>
           <p:nvPr/>
         </p:nvPicPr>
@@ -14515,42 +15195,18 @@
               </a:ext>
             </a:extLst>
           </a:blip>
-          <a:srcRect/>
           <a:stretch>
             <a:fillRect/>
           </a:stretch>
         </p:blipFill>
-        <p:spPr bwMode="auto">
+        <p:spPr>
           <a:xfrm>
-            <a:off x="1600200" y="1346200"/>
-            <a:ext cx="5810250" cy="5511800"/>
+            <a:off x="1470525" y="1115881"/>
+            <a:ext cx="6604001" cy="5719536"/>
           </a:xfrm>
           <a:prstGeom prst="rect">
             <a:avLst/>
           </a:prstGeom>
-          <a:noFill/>
-          <a:ln>
-            <a:noFill/>
-          </a:ln>
-          <a:extLst>
-            <a:ext uri="{909E8E84-426E-40dd-AFC4-6F175D3DCCD1}">
-              <a14:hiddenFill xmlns:a14="http://schemas.microsoft.com/office/drawing/2010/main">
-                <a:solidFill>
-                  <a:srgbClr val="FFFFFF"/>
-                </a:solidFill>
-              </a14:hiddenFill>
-            </a:ext>
-            <a:ext uri="{91240B29-F687-4f45-9708-019B960494DF}">
-              <a14:hiddenLine xmlns:a14="http://schemas.microsoft.com/office/drawing/2010/main" w="9525">
-                <a:solidFill>
-                  <a:srgbClr val="000000"/>
-                </a:solidFill>
-                <a:miter lim="800000"/>
-                <a:headEnd/>
-                <a:tailEnd/>
-              </a14:hiddenLine>
-            </a:ext>
-          </a:extLst>
         </p:spPr>
       </p:pic>
     </p:spTree>
@@ -15694,11 +16350,7 @@
           <a:p>
             <a:r>
               <a:rPr lang="en-US" dirty="0" smtClean="0"/>
-              <a:t>Failure</a:t>
-            </a:r>
-            <a:r>
-              <a:rPr lang="en-US" dirty="0" smtClean="0"/>
-              <a:t> </a:t>
+              <a:t>Failure </a:t>
             </a:r>
             <a:r>
               <a:rPr lang="en-US" dirty="0"/>
@@ -15708,7 +16360,6 @@
               <a:rPr lang="en-US" dirty="0" smtClean="0"/>
               <a:t>iscovery</a:t>
             </a:r>
-            <a:endParaRPr lang="en-US" dirty="0" smtClean="0"/>
           </a:p>
           <a:p>
             <a:pPr lvl="1"/>
@@ -15812,11 +16463,7 @@
           <a:p>
             <a:r>
               <a:rPr lang="en-US" dirty="0" smtClean="0"/>
-              <a:t>Discussion</a:t>
-            </a:r>
-            <a:r>
-              <a:rPr lang="en-US" dirty="0" smtClean="0"/>
-              <a:t> about GFS</a:t>
+              <a:t>Discussion about GFS</a:t>
             </a:r>
             <a:endParaRPr lang="en-US" dirty="0"/>
           </a:p>
@@ -15915,11 +16562,7 @@
           <a:p>
             <a:r>
               <a:rPr lang="en-US" dirty="0" smtClean="0"/>
-              <a:t>Secon</a:t>
-            </a:r>
-            <a:r>
-              <a:rPr lang="en-US" dirty="0" smtClean="0"/>
-              <a:t>d Generation GFS - Colossus</a:t>
+              <a:t>Second Generation GFS - Colossus</a:t>
             </a:r>
             <a:endParaRPr lang="en-US" dirty="0"/>
           </a:p>
@@ -16037,11 +16680,7 @@
           <a:p>
             <a:r>
               <a:rPr lang="en-US" dirty="0" smtClean="0"/>
-              <a:t>Google</a:t>
-            </a:r>
-            <a:r>
-              <a:rPr lang="en-US" dirty="0" smtClean="0"/>
-              <a:t> Big Table</a:t>
+              <a:t>Google Big Table</a:t>
             </a:r>
             <a:endParaRPr lang="en-US" dirty="0"/>
           </a:p>
@@ -16170,27 +16809,66 @@
               <a:rPr lang="en-US" dirty="0" smtClean="0"/>
               <a:t>Large</a:t>
             </a:r>
+          </a:p>
+          <a:p>
+            <a:r>
+              <a:rPr lang="en-US" dirty="0" smtClean="0"/>
+              <a:t>How the data are accessed?</a:t>
+            </a:r>
+          </a:p>
+          <a:p>
+            <a:pPr lvl="1"/>
+            <a:r>
+              <a:rPr lang="en-US" dirty="0" smtClean="0"/>
+              <a:t>Random</a:t>
+            </a:r>
+            <a:r>
+              <a:rPr lang="zh-CN" altLang="en-US" dirty="0" smtClean="0"/>
+              <a:t> </a:t>
+            </a:r>
+            <a:r>
+              <a:rPr lang="en-US" altLang="zh-CN" dirty="0" smtClean="0"/>
+              <a:t>/</a:t>
+            </a:r>
+            <a:r>
+              <a:rPr lang="zh-CN" altLang="en-US" dirty="0" smtClean="0"/>
+              <a:t> </a:t>
+            </a:r>
+            <a:r>
+              <a:rPr lang="en-US" altLang="zh-CN" dirty="0" smtClean="0"/>
+              <a:t>Sequential,</a:t>
+            </a:r>
+            <a:r>
+              <a:rPr lang="zh-CN" altLang="en-US" dirty="0" smtClean="0"/>
+              <a:t> </a:t>
+            </a:r>
+            <a:r>
+              <a:rPr lang="en-US" altLang="zh-CN" dirty="0" smtClean="0"/>
+              <a:t>Read</a:t>
+            </a:r>
+            <a:r>
+              <a:rPr lang="zh-CN" altLang="en-US" dirty="0" smtClean="0"/>
+              <a:t> </a:t>
+            </a:r>
+            <a:r>
+              <a:rPr lang="en-US" altLang="zh-CN" dirty="0" smtClean="0"/>
+              <a:t>/</a:t>
+            </a:r>
+            <a:r>
+              <a:rPr lang="zh-CN" altLang="en-US" dirty="0" smtClean="0"/>
+              <a:t> </a:t>
+            </a:r>
+            <a:r>
+              <a:rPr lang="en-US" altLang="zh-CN" dirty="0" smtClean="0"/>
+              <a:t>Write</a:t>
+            </a:r>
             <a:endParaRPr lang="en-US" dirty="0" smtClean="0"/>
           </a:p>
           <a:p>
-            <a:r>
-              <a:rPr lang="en-US" dirty="0" smtClean="0"/>
-              <a:t>How </a:t>
-            </a:r>
-            <a:r>
-              <a:rPr lang="en-US" dirty="0" smtClean="0"/>
-              <a:t>the data are accessed</a:t>
-            </a:r>
-            <a:r>
-              <a:rPr lang="en-US" dirty="0" smtClean="0"/>
-              <a:t>?</a:t>
-            </a:r>
-          </a:p>
-          <a:p>
             <a:pPr lvl="1"/>
             <a:r>
               <a:rPr lang="en-US" dirty="0" smtClean="0"/>
-              <a:t>Random</a:t>
+              <a:t>Both</a:t>
             </a:r>
             <a:r>
               <a:rPr lang="zh-CN" altLang="en-US" dirty="0" smtClean="0"/>
@@ -16198,7 +16876,7 @@
             </a:r>
             <a:r>
               <a:rPr lang="en-US" altLang="zh-CN" dirty="0" smtClean="0"/>
-              <a:t>/</a:t>
+              <a:t>batch</a:t>
             </a:r>
             <a:r>
               <a:rPr lang="zh-CN" altLang="en-US" dirty="0" smtClean="0"/>
@@ -16206,7 +16884,7 @@
             </a:r>
             <a:r>
               <a:rPr lang="en-US" altLang="zh-CN" dirty="0" smtClean="0"/>
-              <a:t>Sequential,</a:t>
+              <a:t>and</a:t>
             </a:r>
             <a:r>
               <a:rPr lang="zh-CN" altLang="en-US" dirty="0" smtClean="0"/>
@@ -16214,64 +16892,15 @@
             </a:r>
             <a:r>
               <a:rPr lang="en-US" altLang="zh-CN" dirty="0" smtClean="0"/>
-              <a:t>Read</a:t>
-            </a:r>
-            <a:r>
-              <a:rPr lang="zh-CN" altLang="en-US" dirty="0" smtClean="0"/>
-              <a:t> </a:t>
-            </a:r>
-            <a:r>
-              <a:rPr lang="en-US" altLang="zh-CN" dirty="0" smtClean="0"/>
-              <a:t>/</a:t>
-            </a:r>
-            <a:r>
-              <a:rPr lang="zh-CN" altLang="en-US" dirty="0" smtClean="0"/>
-              <a:t> </a:t>
-            </a:r>
-            <a:r>
-              <a:rPr lang="en-US" altLang="zh-CN" dirty="0" smtClean="0"/>
-              <a:t>Write</a:t>
+              <a:t>interactive</a:t>
             </a:r>
             <a:endParaRPr lang="en-US" dirty="0" smtClean="0"/>
           </a:p>
           <a:p>
-            <a:pPr lvl="1"/>
-            <a:r>
-              <a:rPr lang="en-US" dirty="0" smtClean="0"/>
-              <a:t>Both</a:t>
-            </a:r>
-            <a:r>
-              <a:rPr lang="zh-CN" altLang="en-US" dirty="0" smtClean="0"/>
-              <a:t> </a:t>
-            </a:r>
-            <a:r>
-              <a:rPr lang="en-US" altLang="zh-CN" dirty="0" smtClean="0"/>
-              <a:t>batch</a:t>
-            </a:r>
-            <a:r>
-              <a:rPr lang="zh-CN" altLang="en-US" dirty="0" smtClean="0"/>
-              <a:t> </a:t>
-            </a:r>
-            <a:r>
-              <a:rPr lang="en-US" altLang="zh-CN" dirty="0" smtClean="0"/>
-              <a:t>and</a:t>
-            </a:r>
-            <a:r>
-              <a:rPr lang="zh-CN" altLang="en-US" dirty="0" smtClean="0"/>
-              <a:t> </a:t>
-            </a:r>
-            <a:r>
-              <a:rPr lang="en-US" altLang="zh-CN" dirty="0" smtClean="0"/>
-              <a:t>interactive</a:t>
-            </a:r>
-            <a:endParaRPr lang="en-US" dirty="0" smtClean="0"/>
-          </a:p>
-          <a:p>
             <a:r>
               <a:rPr lang="en-US" dirty="0" smtClean="0"/>
               <a:t>Infrastructure</a:t>
             </a:r>
-            <a:endParaRPr lang="en-US" dirty="0" smtClean="0"/>
           </a:p>
           <a:p>
             <a:pPr lvl="1"/>
@@ -16506,28 +17135,14 @@
             <a:pPr lvl="1"/>
             <a:r>
               <a:rPr lang="en-US" dirty="0" smtClean="0"/>
-              <a:t>High</a:t>
-            </a:r>
-            <a:r>
-              <a:rPr lang="en-US" dirty="0" smtClean="0"/>
-              <a:t> availability</a:t>
-            </a:r>
-            <a:endParaRPr lang="en-US" dirty="0" smtClean="0"/>
-          </a:p>
-          <a:p>
-            <a:r>
-              <a:rPr lang="en-US" dirty="0" smtClean="0"/>
-              <a:t>Extreme </a:t>
-            </a:r>
-            <a:r>
-              <a:rPr lang="en-US" dirty="0" smtClean="0"/>
-              <a:t>scale</a:t>
-            </a:r>
-            <a:r>
-              <a:rPr lang="en-US" dirty="0" smtClean="0"/>
-              <a:t>, incrementally scalable</a:t>
-            </a:r>
-            <a:endParaRPr lang="en-US" dirty="0" smtClean="0"/>
+              <a:t>High availability</a:t>
+            </a:r>
+          </a:p>
+          <a:p>
+            <a:r>
+              <a:rPr lang="en-US" dirty="0" smtClean="0"/>
+              <a:t>Extreme scale, incrementally scalable</a:t>
+            </a:r>
           </a:p>
           <a:p>
             <a:r>
@@ -16619,11 +17234,7 @@
           <a:p>
             <a:r>
               <a:rPr lang="en-US" dirty="0" smtClean="0"/>
-              <a:t>Big</a:t>
-            </a:r>
-            <a:r>
-              <a:rPr lang="en-US" dirty="0" smtClean="0"/>
-              <a:t> Table Data Model</a:t>
+              <a:t>Big Table Data Model</a:t>
             </a:r>
             <a:endParaRPr lang="en-US" dirty="0"/>
           </a:p>
@@ -16706,35 +17317,32 @@
       </p:sp>
       <p:pic>
         <p:nvPicPr>
-          <p:cNvPr id="4" name="Picture 4"/>
+          <p:cNvPr id="5" name="图片 4" descr="pic3.eps"/>
           <p:cNvPicPr>
-            <a:picLocks noChangeAspect="1" noChangeArrowheads="1"/>
+            <a:picLocks noChangeAspect="1"/>
           </p:cNvPicPr>
           <p:nvPr/>
         </p:nvPicPr>
         <p:blipFill>
-          <a:blip r:embed="rId2">
+          <a:blip r:embed="rId3">
             <a:extLst>
               <a:ext uri="{28A0092B-C50C-407E-A947-70E740481C1C}">
                 <a14:useLocalDpi xmlns:a14="http://schemas.microsoft.com/office/drawing/2010/main" val="0"/>
               </a:ext>
             </a:extLst>
           </a:blip>
-          <a:srcRect/>
           <a:stretch>
             <a:fillRect/>
           </a:stretch>
         </p:blipFill>
         <p:spPr>
           <a:xfrm>
-            <a:off x="76200" y="4212349"/>
-            <a:ext cx="9067800" cy="2408237"/>
+            <a:off x="304800" y="3994355"/>
+            <a:ext cx="8382000" cy="2667000"/>
           </a:xfrm>
           <a:prstGeom prst="rect">
             <a:avLst/>
           </a:prstGeom>
-          <a:noFill/>
-          <a:ln/>
         </p:spPr>
       </p:pic>
     </p:spTree>
@@ -16992,15 +17600,7 @@
           <a:p>
             <a:r>
               <a:rPr lang="en-US" dirty="0" smtClean="0"/>
-              <a:t>Big</a:t>
-            </a:r>
-            <a:r>
-              <a:rPr lang="en-US" dirty="0" smtClean="0"/>
-              <a:t> </a:t>
-            </a:r>
-            <a:r>
-              <a:rPr lang="en-US" dirty="0" smtClean="0"/>
-              <a:t>Table</a:t>
+              <a:t>Big Table</a:t>
             </a:r>
             <a:r>
               <a:rPr lang="zh-CN" altLang="en-US" dirty="0" smtClean="0"/>
@@ -17016,32 +17616,32 @@
       </p:sp>
       <p:pic>
         <p:nvPicPr>
-          <p:cNvPr id="6" name="Content Placeholder 7" descr="im.tiff"/>
+          <p:cNvPr id="4" name="图片 3" descr="pic4.eps"/>
           <p:cNvPicPr>
-            <a:picLocks noGrp="1" noChangeAspect="1"/>
+            <a:picLocks noChangeAspect="1"/>
           </p:cNvPicPr>
-          <p:nvPr>
-            <p:ph idx="1"/>
-          </p:nvPr>
+          <p:nvPr/>
         </p:nvPicPr>
         <p:blipFill>
-          <a:blip r:embed="rId2">
+          <a:blip r:embed="rId3">
             <a:extLst>
               <a:ext uri="{28A0092B-C50C-407E-A947-70E740481C1C}">
                 <a14:useLocalDpi xmlns:a14="http://schemas.microsoft.com/office/drawing/2010/main" val="0"/>
               </a:ext>
             </a:extLst>
           </a:blip>
-          <a:srcRect l="-4167" t="2264" r="-4167"/>
           <a:stretch>
             <a:fillRect/>
           </a:stretch>
         </p:blipFill>
         <p:spPr>
           <a:xfrm>
-            <a:off x="296503" y="1676400"/>
-            <a:ext cx="8153400" cy="4419600"/>
+            <a:off x="778387" y="1156895"/>
+            <a:ext cx="7736349" cy="5706974"/>
           </a:xfrm>
+          <a:prstGeom prst="rect">
+            <a:avLst/>
+          </a:prstGeom>
         </p:spPr>
       </p:pic>
     </p:spTree>
@@ -17115,11 +17715,7 @@
           <a:p>
             <a:r>
               <a:rPr lang="en-US" dirty="0" smtClean="0"/>
-              <a:t>Tablets</a:t>
-            </a:r>
-            <a:r>
-              <a:rPr lang="en-US" dirty="0" smtClean="0"/>
-              <a:t>-&gt;servers mapping</a:t>
+              <a:t>Tablets-&gt;servers mapping</a:t>
             </a:r>
           </a:p>
           <a:p>
@@ -17612,1546 +18208,36 @@
           </a:p>
         </p:txBody>
       </p:sp>
-      <p:grpSp>
-        <p:nvGrpSpPr>
-          <p:cNvPr id="15" name="Group 34"/>
-          <p:cNvGrpSpPr>
-            <a:grpSpLocks/>
-          </p:cNvGrpSpPr>
+      <p:pic>
+        <p:nvPicPr>
+          <p:cNvPr id="4" name="图片 3" descr="pic6.eps"/>
+          <p:cNvPicPr>
+            <a:picLocks noChangeAspect="1"/>
+          </p:cNvPicPr>
           <p:nvPr/>
-        </p:nvGrpSpPr>
-        <p:grpSpPr bwMode="auto">
-          <a:xfrm>
-            <a:off x="725326" y="4251495"/>
-            <a:ext cx="7760099" cy="1930399"/>
-            <a:chOff x="96" y="2183"/>
-            <a:chExt cx="5520" cy="1369"/>
-          </a:xfrm>
-        </p:grpSpPr>
-        <p:sp>
-          <p:nvSpPr>
-            <p:cNvPr id="16" name="Rectangle 4"/>
-            <p:cNvSpPr>
-              <a:spLocks noChangeArrowheads="1"/>
-            </p:cNvSpPr>
-            <p:nvPr/>
-          </p:nvSpPr>
-          <p:spPr bwMode="auto">
-            <a:xfrm>
-              <a:off x="240" y="2592"/>
-              <a:ext cx="576" cy="816"/>
-            </a:xfrm>
-            <a:prstGeom prst="rect">
-              <a:avLst/>
-            </a:prstGeom>
-            <a:noFill/>
-            <a:ln w="9525">
-              <a:solidFill>
-                <a:schemeClr val="tx1"/>
-              </a:solidFill>
-              <a:miter lim="800000"/>
-              <a:headEnd/>
-              <a:tailEnd/>
-            </a:ln>
-            <a:effectLst/>
+        </p:nvPicPr>
+        <p:blipFill>
+          <a:blip r:embed="rId3">
             <a:extLst>
-              <a:ext uri="{909E8E84-426E-40dd-AFC4-6F175D3DCCD1}">
-                <a14:hiddenFill xmlns:a14="http://schemas.microsoft.com/office/drawing/2010/main">
-                  <a:solidFill>
-                    <a:schemeClr val="accent1"/>
-                  </a:solidFill>
-                </a14:hiddenFill>
-              </a:ext>
-              <a:ext uri="{AF507438-7753-43e0-B8FC-AC1667EBCBE1}">
-                <a14:hiddenEffects xmlns:a14="http://schemas.microsoft.com/office/drawing/2010/main">
-                  <a:effectLst>
-                    <a:outerShdw blurRad="63500" dist="38099" dir="2700000" algn="ctr" rotWithShape="0">
-                      <a:schemeClr val="bg2">
-                        <a:alpha val="74998"/>
-                      </a:schemeClr>
-                    </a:outerShdw>
-                  </a:effectLst>
-                </a14:hiddenEffects>
+              <a:ext uri="{28A0092B-C50C-407E-A947-70E740481C1C}">
+                <a14:useLocalDpi xmlns:a14="http://schemas.microsoft.com/office/drawing/2010/main" val="0"/>
               </a:ext>
             </a:extLst>
-          </p:spPr>
-          <p:txBody>
-            <a:bodyPr wrap="none" anchor="ctr"/>
-            <a:lstStyle/>
-            <a:p>
-              <a:endParaRPr lang="en-US"/>
-            </a:p>
-          </p:txBody>
-        </p:sp>
-        <p:sp>
-          <p:nvSpPr>
-            <p:cNvPr id="17" name="Rectangle 5"/>
-            <p:cNvSpPr>
-              <a:spLocks noChangeArrowheads="1"/>
-            </p:cNvSpPr>
-            <p:nvPr/>
-          </p:nvSpPr>
-          <p:spPr bwMode="auto">
-            <a:xfrm>
-              <a:off x="864" y="2592"/>
-              <a:ext cx="576" cy="816"/>
-            </a:xfrm>
-            <a:prstGeom prst="rect">
-              <a:avLst/>
-            </a:prstGeom>
-            <a:noFill/>
-            <a:ln w="9525">
-              <a:solidFill>
-                <a:schemeClr val="tx1"/>
-              </a:solidFill>
-              <a:miter lim="800000"/>
-              <a:headEnd/>
-              <a:tailEnd/>
-            </a:ln>
-            <a:effectLst/>
-            <a:extLst>
-              <a:ext uri="{909E8E84-426E-40dd-AFC4-6F175D3DCCD1}">
-                <a14:hiddenFill xmlns:a14="http://schemas.microsoft.com/office/drawing/2010/main">
-                  <a:solidFill>
-                    <a:schemeClr val="accent1"/>
-                  </a:solidFill>
-                </a14:hiddenFill>
-              </a:ext>
-              <a:ext uri="{AF507438-7753-43e0-B8FC-AC1667EBCBE1}">
-                <a14:hiddenEffects xmlns:a14="http://schemas.microsoft.com/office/drawing/2010/main">
-                  <a:effectLst>
-                    <a:outerShdw blurRad="63500" dist="38099" dir="2700000" algn="ctr" rotWithShape="0">
-                      <a:schemeClr val="bg2">
-                        <a:alpha val="74998"/>
-                      </a:schemeClr>
-                    </a:outerShdw>
-                  </a:effectLst>
-                </a14:hiddenEffects>
-              </a:ext>
-            </a:extLst>
-          </p:spPr>
-          <p:txBody>
-            <a:bodyPr wrap="none" anchor="ctr"/>
-            <a:lstStyle/>
-            <a:p>
-              <a:endParaRPr lang="en-US"/>
-            </a:p>
-          </p:txBody>
-        </p:sp>
-        <p:sp>
-          <p:nvSpPr>
-            <p:cNvPr id="18" name="Rectangle 6"/>
-            <p:cNvSpPr>
-              <a:spLocks noChangeArrowheads="1"/>
-            </p:cNvSpPr>
-            <p:nvPr/>
-          </p:nvSpPr>
-          <p:spPr bwMode="auto">
-            <a:xfrm>
-              <a:off x="1488" y="2592"/>
-              <a:ext cx="576" cy="816"/>
-            </a:xfrm>
-            <a:prstGeom prst="rect">
-              <a:avLst/>
-            </a:prstGeom>
-            <a:noFill/>
-            <a:ln w="9525">
-              <a:solidFill>
-                <a:schemeClr val="tx1"/>
-              </a:solidFill>
-              <a:miter lim="800000"/>
-              <a:headEnd/>
-              <a:tailEnd/>
-            </a:ln>
-            <a:effectLst/>
-            <a:extLst>
-              <a:ext uri="{909E8E84-426E-40dd-AFC4-6F175D3DCCD1}">
-                <a14:hiddenFill xmlns:a14="http://schemas.microsoft.com/office/drawing/2010/main">
-                  <a:solidFill>
-                    <a:schemeClr val="accent1"/>
-                  </a:solidFill>
-                </a14:hiddenFill>
-              </a:ext>
-              <a:ext uri="{AF507438-7753-43e0-B8FC-AC1667EBCBE1}">
-                <a14:hiddenEffects xmlns:a14="http://schemas.microsoft.com/office/drawing/2010/main">
-                  <a:effectLst>
-                    <a:outerShdw blurRad="63500" dist="38099" dir="2700000" algn="ctr" rotWithShape="0">
-                      <a:schemeClr val="bg2">
-                        <a:alpha val="74998"/>
-                      </a:schemeClr>
-                    </a:outerShdw>
-                  </a:effectLst>
-                </a14:hiddenEffects>
-              </a:ext>
-            </a:extLst>
-          </p:spPr>
-          <p:txBody>
-            <a:bodyPr wrap="none" anchor="ctr"/>
-            <a:lstStyle/>
-            <a:p>
-              <a:endParaRPr lang="en-US"/>
-            </a:p>
-          </p:txBody>
-        </p:sp>
-        <p:sp>
-          <p:nvSpPr>
-            <p:cNvPr id="19" name="Rectangle 7"/>
-            <p:cNvSpPr>
-              <a:spLocks noChangeArrowheads="1"/>
-            </p:cNvSpPr>
-            <p:nvPr/>
-          </p:nvSpPr>
-          <p:spPr bwMode="auto">
-            <a:xfrm>
-              <a:off x="2112" y="3120"/>
-              <a:ext cx="480" cy="288"/>
-            </a:xfrm>
-            <a:prstGeom prst="rect">
-              <a:avLst/>
-            </a:prstGeom>
-            <a:noFill/>
-            <a:ln w="9525">
-              <a:solidFill>
-                <a:schemeClr val="tx1"/>
-              </a:solidFill>
-              <a:miter lim="800000"/>
-              <a:headEnd/>
-              <a:tailEnd/>
-            </a:ln>
-            <a:effectLst/>
-            <a:extLst>
-              <a:ext uri="{909E8E84-426E-40dd-AFC4-6F175D3DCCD1}">
-                <a14:hiddenFill xmlns:a14="http://schemas.microsoft.com/office/drawing/2010/main">
-                  <a:solidFill>
-                    <a:schemeClr val="accent1"/>
-                  </a:solidFill>
-                </a14:hiddenFill>
-              </a:ext>
-              <a:ext uri="{AF507438-7753-43e0-B8FC-AC1667EBCBE1}">
-                <a14:hiddenEffects xmlns:a14="http://schemas.microsoft.com/office/drawing/2010/main">
-                  <a:effectLst>
-                    <a:outerShdw blurRad="63500" dist="38099" dir="2700000" algn="ctr" rotWithShape="0">
-                      <a:schemeClr val="bg2">
-                        <a:alpha val="74998"/>
-                      </a:schemeClr>
-                    </a:outerShdw>
-                  </a:effectLst>
-                </a14:hiddenEffects>
-              </a:ext>
-            </a:extLst>
-          </p:spPr>
-          <p:txBody>
-            <a:bodyPr wrap="none" anchor="ctr"/>
-            <a:lstStyle/>
-            <a:p>
-              <a:endParaRPr lang="en-US"/>
-            </a:p>
-          </p:txBody>
-        </p:sp>
-        <p:sp>
-          <p:nvSpPr>
-            <p:cNvPr id="20" name="Text Box 8"/>
-            <p:cNvSpPr txBox="1">
-              <a:spLocks noChangeArrowheads="1"/>
-            </p:cNvSpPr>
-            <p:nvPr/>
-          </p:nvSpPr>
-          <p:spPr bwMode="auto">
-            <a:xfrm>
-              <a:off x="2112" y="3168"/>
-              <a:ext cx="468" cy="231"/>
-            </a:xfrm>
-            <a:prstGeom prst="rect">
-              <a:avLst/>
-            </a:prstGeom>
-            <a:noFill/>
-            <a:ln>
-              <a:noFill/>
-            </a:ln>
-            <a:effectLst/>
-            <a:extLst>
-              <a:ext uri="{909E8E84-426E-40dd-AFC4-6F175D3DCCD1}">
-                <a14:hiddenFill xmlns:a14="http://schemas.microsoft.com/office/drawing/2010/main">
-                  <a:solidFill>
-                    <a:schemeClr val="accent1"/>
-                  </a:solidFill>
-                </a14:hiddenFill>
-              </a:ext>
-              <a:ext uri="{91240B29-F687-4f45-9708-019B960494DF}">
-                <a14:hiddenLine xmlns:a14="http://schemas.microsoft.com/office/drawing/2010/main" w="9525">
-                  <a:solidFill>
-                    <a:schemeClr val="tx1"/>
-                  </a:solidFill>
-                  <a:miter lim="800000"/>
-                  <a:headEnd/>
-                  <a:tailEnd/>
-                </a14:hiddenLine>
-              </a:ext>
-              <a:ext uri="{AF507438-7753-43e0-B8FC-AC1667EBCBE1}">
-                <a14:hiddenEffects xmlns:a14="http://schemas.microsoft.com/office/drawing/2010/main">
-                  <a:effectLst>
-                    <a:outerShdw blurRad="63500" dist="38099" dir="2700000" algn="ctr" rotWithShape="0">
-                      <a:schemeClr val="bg2">
-                        <a:alpha val="74998"/>
-                      </a:schemeClr>
-                    </a:outerShdw>
-                  </a:effectLst>
-                </a14:hiddenEffects>
-              </a:ext>
-            </a:extLst>
-          </p:spPr>
-          <p:txBody>
-            <a:bodyPr wrap="none">
-              <a:spAutoFit/>
-            </a:bodyPr>
-            <a:lstStyle/>
-            <a:p>
-              <a:r>
-                <a:rPr lang="en-US"/>
-                <a:t>Index</a:t>
-              </a:r>
-            </a:p>
-          </p:txBody>
-        </p:sp>
-        <p:sp>
-          <p:nvSpPr>
-            <p:cNvPr id="21" name="Rectangle 9"/>
-            <p:cNvSpPr>
-              <a:spLocks noChangeArrowheads="1"/>
-            </p:cNvSpPr>
-            <p:nvPr/>
-          </p:nvSpPr>
-          <p:spPr bwMode="auto">
-            <a:xfrm>
-              <a:off x="192" y="2544"/>
-              <a:ext cx="2544" cy="912"/>
-            </a:xfrm>
-            <a:prstGeom prst="rect">
-              <a:avLst/>
-            </a:prstGeom>
-            <a:noFill/>
-            <a:ln w="9525">
-              <a:solidFill>
-                <a:schemeClr val="tx1"/>
-              </a:solidFill>
-              <a:miter lim="800000"/>
-              <a:headEnd/>
-              <a:tailEnd/>
-            </a:ln>
-            <a:effectLst/>
-            <a:extLst>
-              <a:ext uri="{909E8E84-426E-40dd-AFC4-6F175D3DCCD1}">
-                <a14:hiddenFill xmlns:a14="http://schemas.microsoft.com/office/drawing/2010/main">
-                  <a:solidFill>
-                    <a:schemeClr val="accent1"/>
-                  </a:solidFill>
-                </a14:hiddenFill>
-              </a:ext>
-              <a:ext uri="{AF507438-7753-43e0-B8FC-AC1667EBCBE1}">
-                <a14:hiddenEffects xmlns:a14="http://schemas.microsoft.com/office/drawing/2010/main">
-                  <a:effectLst>
-                    <a:outerShdw blurRad="63500" dist="38099" dir="2700000" algn="ctr" rotWithShape="0">
-                      <a:schemeClr val="bg2">
-                        <a:alpha val="74998"/>
-                      </a:schemeClr>
-                    </a:outerShdw>
-                  </a:effectLst>
-                </a14:hiddenEffects>
-              </a:ext>
-            </a:extLst>
-          </p:spPr>
-          <p:txBody>
-            <a:bodyPr wrap="none" anchor="ctr"/>
-            <a:lstStyle/>
-            <a:p>
-              <a:endParaRPr lang="en-US"/>
-            </a:p>
-          </p:txBody>
-        </p:sp>
-        <p:sp>
-          <p:nvSpPr>
-            <p:cNvPr id="22" name="Text Box 10"/>
-            <p:cNvSpPr txBox="1">
-              <a:spLocks noChangeArrowheads="1"/>
-            </p:cNvSpPr>
-            <p:nvPr/>
-          </p:nvSpPr>
-          <p:spPr bwMode="auto">
-            <a:xfrm>
-              <a:off x="240" y="2640"/>
-              <a:ext cx="528" cy="404"/>
-            </a:xfrm>
-            <a:prstGeom prst="rect">
-              <a:avLst/>
-            </a:prstGeom>
-            <a:noFill/>
-            <a:ln>
-              <a:noFill/>
-            </a:ln>
-            <a:effectLst/>
-            <a:extLst>
-              <a:ext uri="{909E8E84-426E-40dd-AFC4-6F175D3DCCD1}">
-                <a14:hiddenFill xmlns:a14="http://schemas.microsoft.com/office/drawing/2010/main">
-                  <a:solidFill>
-                    <a:schemeClr val="accent1"/>
-                  </a:solidFill>
-                </a14:hiddenFill>
-              </a:ext>
-              <a:ext uri="{91240B29-F687-4f45-9708-019B960494DF}">
-                <a14:hiddenLine xmlns:a14="http://schemas.microsoft.com/office/drawing/2010/main" w="9525">
-                  <a:solidFill>
-                    <a:schemeClr val="tx1"/>
-                  </a:solidFill>
-                  <a:miter lim="800000"/>
-                  <a:headEnd/>
-                  <a:tailEnd/>
-                </a14:hiddenLine>
-              </a:ext>
-              <a:ext uri="{AF507438-7753-43e0-B8FC-AC1667EBCBE1}">
-                <a14:hiddenEffects xmlns:a14="http://schemas.microsoft.com/office/drawing/2010/main">
-                  <a:effectLst>
-                    <a:outerShdw blurRad="63500" dist="38099" dir="2700000" algn="ctr" rotWithShape="0">
-                      <a:schemeClr val="bg2">
-                        <a:alpha val="74998"/>
-                      </a:schemeClr>
-                    </a:outerShdw>
-                  </a:effectLst>
-                </a14:hiddenEffects>
-              </a:ext>
-            </a:extLst>
-          </p:spPr>
-          <p:txBody>
-            <a:bodyPr>
-              <a:spAutoFit/>
-            </a:bodyPr>
-            <a:lstStyle/>
-            <a:p>
-              <a:r>
-                <a:rPr lang="en-US"/>
-                <a:t>64K block</a:t>
-              </a:r>
-            </a:p>
-          </p:txBody>
-        </p:sp>
-        <p:sp>
-          <p:nvSpPr>
-            <p:cNvPr id="23" name="Text Box 11"/>
-            <p:cNvSpPr txBox="1">
-              <a:spLocks noChangeArrowheads="1"/>
-            </p:cNvSpPr>
-            <p:nvPr/>
-          </p:nvSpPr>
-          <p:spPr bwMode="auto">
-            <a:xfrm>
-              <a:off x="864" y="2640"/>
-              <a:ext cx="528" cy="404"/>
-            </a:xfrm>
-            <a:prstGeom prst="rect">
-              <a:avLst/>
-            </a:prstGeom>
-            <a:noFill/>
-            <a:ln>
-              <a:noFill/>
-            </a:ln>
-            <a:effectLst/>
-            <a:extLst>
-              <a:ext uri="{909E8E84-426E-40dd-AFC4-6F175D3DCCD1}">
-                <a14:hiddenFill xmlns:a14="http://schemas.microsoft.com/office/drawing/2010/main">
-                  <a:solidFill>
-                    <a:schemeClr val="accent1"/>
-                  </a:solidFill>
-                </a14:hiddenFill>
-              </a:ext>
-              <a:ext uri="{91240B29-F687-4f45-9708-019B960494DF}">
-                <a14:hiddenLine xmlns:a14="http://schemas.microsoft.com/office/drawing/2010/main" w="9525">
-                  <a:solidFill>
-                    <a:schemeClr val="tx1"/>
-                  </a:solidFill>
-                  <a:miter lim="800000"/>
-                  <a:headEnd/>
-                  <a:tailEnd/>
-                </a14:hiddenLine>
-              </a:ext>
-              <a:ext uri="{AF507438-7753-43e0-B8FC-AC1667EBCBE1}">
-                <a14:hiddenEffects xmlns:a14="http://schemas.microsoft.com/office/drawing/2010/main">
-                  <a:effectLst>
-                    <a:outerShdw blurRad="63500" dist="38099" dir="2700000" algn="ctr" rotWithShape="0">
-                      <a:schemeClr val="bg2">
-                        <a:alpha val="74998"/>
-                      </a:schemeClr>
-                    </a:outerShdw>
-                  </a:effectLst>
-                </a14:hiddenEffects>
-              </a:ext>
-            </a:extLst>
-          </p:spPr>
-          <p:txBody>
-            <a:bodyPr>
-              <a:spAutoFit/>
-            </a:bodyPr>
-            <a:lstStyle/>
-            <a:p>
-              <a:r>
-                <a:rPr lang="en-US"/>
-                <a:t>64K block</a:t>
-              </a:r>
-            </a:p>
-          </p:txBody>
-        </p:sp>
-        <p:sp>
-          <p:nvSpPr>
-            <p:cNvPr id="24" name="Text Box 12"/>
-            <p:cNvSpPr txBox="1">
-              <a:spLocks noChangeArrowheads="1"/>
-            </p:cNvSpPr>
-            <p:nvPr/>
-          </p:nvSpPr>
-          <p:spPr bwMode="auto">
-            <a:xfrm>
-              <a:off x="1488" y="2640"/>
-              <a:ext cx="528" cy="404"/>
-            </a:xfrm>
-            <a:prstGeom prst="rect">
-              <a:avLst/>
-            </a:prstGeom>
-            <a:noFill/>
-            <a:ln>
-              <a:noFill/>
-            </a:ln>
-            <a:effectLst/>
-            <a:extLst>
-              <a:ext uri="{909E8E84-426E-40dd-AFC4-6F175D3DCCD1}">
-                <a14:hiddenFill xmlns:a14="http://schemas.microsoft.com/office/drawing/2010/main">
-                  <a:solidFill>
-                    <a:schemeClr val="accent1"/>
-                  </a:solidFill>
-                </a14:hiddenFill>
-              </a:ext>
-              <a:ext uri="{91240B29-F687-4f45-9708-019B960494DF}">
-                <a14:hiddenLine xmlns:a14="http://schemas.microsoft.com/office/drawing/2010/main" w="9525">
-                  <a:solidFill>
-                    <a:schemeClr val="tx1"/>
-                  </a:solidFill>
-                  <a:miter lim="800000"/>
-                  <a:headEnd/>
-                  <a:tailEnd/>
-                </a14:hiddenLine>
-              </a:ext>
-              <a:ext uri="{AF507438-7753-43e0-B8FC-AC1667EBCBE1}">
-                <a14:hiddenEffects xmlns:a14="http://schemas.microsoft.com/office/drawing/2010/main">
-                  <a:effectLst>
-                    <a:outerShdw blurRad="63500" dist="38099" dir="2700000" algn="ctr" rotWithShape="0">
-                      <a:schemeClr val="bg2">
-                        <a:alpha val="74998"/>
-                      </a:schemeClr>
-                    </a:outerShdw>
-                  </a:effectLst>
-                </a14:hiddenEffects>
-              </a:ext>
-            </a:extLst>
-          </p:spPr>
-          <p:txBody>
-            <a:bodyPr>
-              <a:spAutoFit/>
-            </a:bodyPr>
-            <a:lstStyle/>
-            <a:p>
-              <a:r>
-                <a:rPr lang="en-US" dirty="0"/>
-                <a:t>64K block</a:t>
-              </a:r>
-            </a:p>
-          </p:txBody>
-        </p:sp>
-        <p:sp>
-          <p:nvSpPr>
-            <p:cNvPr id="25" name="Text Box 13"/>
-            <p:cNvSpPr txBox="1">
-              <a:spLocks noChangeArrowheads="1"/>
-            </p:cNvSpPr>
-            <p:nvPr/>
-          </p:nvSpPr>
-          <p:spPr bwMode="auto">
-            <a:xfrm>
-              <a:off x="2102" y="2567"/>
-              <a:ext cx="668" cy="231"/>
-            </a:xfrm>
-            <a:prstGeom prst="rect">
-              <a:avLst/>
-            </a:prstGeom>
-            <a:noFill/>
-            <a:ln>
-              <a:noFill/>
-            </a:ln>
-            <a:effectLst/>
-            <a:extLst>
-              <a:ext uri="{909E8E84-426E-40dd-AFC4-6F175D3DCCD1}">
-                <a14:hiddenFill xmlns:a14="http://schemas.microsoft.com/office/drawing/2010/main">
-                  <a:solidFill>
-                    <a:schemeClr val="accent1"/>
-                  </a:solidFill>
-                </a14:hiddenFill>
-              </a:ext>
-              <a:ext uri="{91240B29-F687-4f45-9708-019B960494DF}">
-                <a14:hiddenLine xmlns:a14="http://schemas.microsoft.com/office/drawing/2010/main" w="9525">
-                  <a:solidFill>
-                    <a:schemeClr val="tx1"/>
-                  </a:solidFill>
-                  <a:miter lim="800000"/>
-                  <a:headEnd/>
-                  <a:tailEnd/>
-                </a14:hiddenLine>
-              </a:ext>
-              <a:ext uri="{AF507438-7753-43e0-B8FC-AC1667EBCBE1}">
-                <a14:hiddenEffects xmlns:a14="http://schemas.microsoft.com/office/drawing/2010/main">
-                  <a:effectLst>
-                    <a:outerShdw blurRad="63500" dist="38099" dir="2700000" algn="ctr" rotWithShape="0">
-                      <a:schemeClr val="bg2">
-                        <a:alpha val="74998"/>
-                      </a:schemeClr>
-                    </a:outerShdw>
-                  </a:effectLst>
-                </a14:hiddenEffects>
-              </a:ext>
-            </a:extLst>
-          </p:spPr>
-          <p:txBody>
-            <a:bodyPr wrap="none">
-              <a:spAutoFit/>
-            </a:bodyPr>
-            <a:lstStyle/>
-            <a:p>
-              <a:r>
-                <a:rPr lang="en-US"/>
-                <a:t>SSTable</a:t>
-              </a:r>
-            </a:p>
-          </p:txBody>
-        </p:sp>
-        <p:sp>
-          <p:nvSpPr>
-            <p:cNvPr id="26" name="Rectangle 14"/>
-            <p:cNvSpPr>
-              <a:spLocks noChangeArrowheads="1"/>
-            </p:cNvSpPr>
-            <p:nvPr/>
-          </p:nvSpPr>
-          <p:spPr bwMode="auto">
-            <a:xfrm>
-              <a:off x="2976" y="2592"/>
-              <a:ext cx="576" cy="816"/>
-            </a:xfrm>
-            <a:prstGeom prst="rect">
-              <a:avLst/>
-            </a:prstGeom>
-            <a:noFill/>
-            <a:ln w="9525">
-              <a:solidFill>
-                <a:schemeClr val="tx1"/>
-              </a:solidFill>
-              <a:miter lim="800000"/>
-              <a:headEnd/>
-              <a:tailEnd/>
-            </a:ln>
-            <a:effectLst/>
-            <a:extLst>
-              <a:ext uri="{909E8E84-426E-40dd-AFC4-6F175D3DCCD1}">
-                <a14:hiddenFill xmlns:a14="http://schemas.microsoft.com/office/drawing/2010/main">
-                  <a:solidFill>
-                    <a:schemeClr val="accent1"/>
-                  </a:solidFill>
-                </a14:hiddenFill>
-              </a:ext>
-              <a:ext uri="{AF507438-7753-43e0-B8FC-AC1667EBCBE1}">
-                <a14:hiddenEffects xmlns:a14="http://schemas.microsoft.com/office/drawing/2010/main">
-                  <a:effectLst>
-                    <a:outerShdw blurRad="63500" dist="38099" dir="2700000" algn="ctr" rotWithShape="0">
-                      <a:schemeClr val="bg2">
-                        <a:alpha val="74998"/>
-                      </a:schemeClr>
-                    </a:outerShdw>
-                  </a:effectLst>
-                </a14:hiddenEffects>
-              </a:ext>
-            </a:extLst>
-          </p:spPr>
-          <p:txBody>
-            <a:bodyPr wrap="none" anchor="ctr"/>
-            <a:lstStyle/>
-            <a:p>
-              <a:endParaRPr lang="en-US"/>
-            </a:p>
-          </p:txBody>
-        </p:sp>
-        <p:sp>
-          <p:nvSpPr>
-            <p:cNvPr id="27" name="Rectangle 15"/>
-            <p:cNvSpPr>
-              <a:spLocks noChangeArrowheads="1"/>
-            </p:cNvSpPr>
-            <p:nvPr/>
-          </p:nvSpPr>
-          <p:spPr bwMode="auto">
-            <a:xfrm>
-              <a:off x="3600" y="2592"/>
-              <a:ext cx="576" cy="816"/>
-            </a:xfrm>
-            <a:prstGeom prst="rect">
-              <a:avLst/>
-            </a:prstGeom>
-            <a:noFill/>
-            <a:ln w="9525">
-              <a:solidFill>
-                <a:schemeClr val="tx1"/>
-              </a:solidFill>
-              <a:miter lim="800000"/>
-              <a:headEnd/>
-              <a:tailEnd/>
-            </a:ln>
-            <a:effectLst/>
-            <a:extLst>
-              <a:ext uri="{909E8E84-426E-40dd-AFC4-6F175D3DCCD1}">
-                <a14:hiddenFill xmlns:a14="http://schemas.microsoft.com/office/drawing/2010/main">
-                  <a:solidFill>
-                    <a:schemeClr val="accent1"/>
-                  </a:solidFill>
-                </a14:hiddenFill>
-              </a:ext>
-              <a:ext uri="{AF507438-7753-43e0-B8FC-AC1667EBCBE1}">
-                <a14:hiddenEffects xmlns:a14="http://schemas.microsoft.com/office/drawing/2010/main">
-                  <a:effectLst>
-                    <a:outerShdw blurRad="63500" dist="38099" dir="2700000" algn="ctr" rotWithShape="0">
-                      <a:schemeClr val="bg2">
-                        <a:alpha val="74998"/>
-                      </a:schemeClr>
-                    </a:outerShdw>
-                  </a:effectLst>
-                </a14:hiddenEffects>
-              </a:ext>
-            </a:extLst>
-          </p:spPr>
-          <p:txBody>
-            <a:bodyPr wrap="none" anchor="ctr"/>
-            <a:lstStyle/>
-            <a:p>
-              <a:endParaRPr lang="en-US"/>
-            </a:p>
-          </p:txBody>
-        </p:sp>
-        <p:sp>
-          <p:nvSpPr>
-            <p:cNvPr id="28" name="Rectangle 16"/>
-            <p:cNvSpPr>
-              <a:spLocks noChangeArrowheads="1"/>
-            </p:cNvSpPr>
-            <p:nvPr/>
-          </p:nvSpPr>
-          <p:spPr bwMode="auto">
-            <a:xfrm>
-              <a:off x="4224" y="2592"/>
-              <a:ext cx="576" cy="816"/>
-            </a:xfrm>
-            <a:prstGeom prst="rect">
-              <a:avLst/>
-            </a:prstGeom>
-            <a:noFill/>
-            <a:ln w="9525">
-              <a:solidFill>
-                <a:schemeClr val="tx1"/>
-              </a:solidFill>
-              <a:miter lim="800000"/>
-              <a:headEnd/>
-              <a:tailEnd/>
-            </a:ln>
-            <a:effectLst/>
-            <a:extLst>
-              <a:ext uri="{909E8E84-426E-40dd-AFC4-6F175D3DCCD1}">
-                <a14:hiddenFill xmlns:a14="http://schemas.microsoft.com/office/drawing/2010/main">
-                  <a:solidFill>
-                    <a:schemeClr val="accent1"/>
-                  </a:solidFill>
-                </a14:hiddenFill>
-              </a:ext>
-              <a:ext uri="{AF507438-7753-43e0-B8FC-AC1667EBCBE1}">
-                <a14:hiddenEffects xmlns:a14="http://schemas.microsoft.com/office/drawing/2010/main">
-                  <a:effectLst>
-                    <a:outerShdw blurRad="63500" dist="38099" dir="2700000" algn="ctr" rotWithShape="0">
-                      <a:schemeClr val="bg2">
-                        <a:alpha val="74998"/>
-                      </a:schemeClr>
-                    </a:outerShdw>
-                  </a:effectLst>
-                </a14:hiddenEffects>
-              </a:ext>
-            </a:extLst>
-          </p:spPr>
-          <p:txBody>
-            <a:bodyPr wrap="none" anchor="ctr"/>
-            <a:lstStyle/>
-            <a:p>
-              <a:endParaRPr lang="en-US"/>
-            </a:p>
-          </p:txBody>
-        </p:sp>
-        <p:sp>
-          <p:nvSpPr>
-            <p:cNvPr id="29" name="Rectangle 17"/>
-            <p:cNvSpPr>
-              <a:spLocks noChangeArrowheads="1"/>
-            </p:cNvSpPr>
-            <p:nvPr/>
-          </p:nvSpPr>
-          <p:spPr bwMode="auto">
-            <a:xfrm>
-              <a:off x="4848" y="3120"/>
-              <a:ext cx="480" cy="288"/>
-            </a:xfrm>
-            <a:prstGeom prst="rect">
-              <a:avLst/>
-            </a:prstGeom>
-            <a:noFill/>
-            <a:ln w="9525">
-              <a:solidFill>
-                <a:schemeClr val="tx1"/>
-              </a:solidFill>
-              <a:miter lim="800000"/>
-              <a:headEnd/>
-              <a:tailEnd/>
-            </a:ln>
-            <a:effectLst/>
-            <a:extLst>
-              <a:ext uri="{909E8E84-426E-40dd-AFC4-6F175D3DCCD1}">
-                <a14:hiddenFill xmlns:a14="http://schemas.microsoft.com/office/drawing/2010/main">
-                  <a:solidFill>
-                    <a:schemeClr val="accent1"/>
-                  </a:solidFill>
-                </a14:hiddenFill>
-              </a:ext>
-              <a:ext uri="{AF507438-7753-43e0-B8FC-AC1667EBCBE1}">
-                <a14:hiddenEffects xmlns:a14="http://schemas.microsoft.com/office/drawing/2010/main">
-                  <a:effectLst>
-                    <a:outerShdw blurRad="63500" dist="38099" dir="2700000" algn="ctr" rotWithShape="0">
-                      <a:schemeClr val="bg2">
-                        <a:alpha val="74998"/>
-                      </a:schemeClr>
-                    </a:outerShdw>
-                  </a:effectLst>
-                </a14:hiddenEffects>
-              </a:ext>
-            </a:extLst>
-          </p:spPr>
-          <p:txBody>
-            <a:bodyPr wrap="none" anchor="ctr"/>
-            <a:lstStyle/>
-            <a:p>
-              <a:endParaRPr lang="en-US"/>
-            </a:p>
-          </p:txBody>
-        </p:sp>
-        <p:sp>
-          <p:nvSpPr>
-            <p:cNvPr id="30" name="Text Box 18"/>
-            <p:cNvSpPr txBox="1">
-              <a:spLocks noChangeArrowheads="1"/>
-            </p:cNvSpPr>
-            <p:nvPr/>
-          </p:nvSpPr>
-          <p:spPr bwMode="auto">
-            <a:xfrm>
-              <a:off x="4848" y="3168"/>
-              <a:ext cx="468" cy="231"/>
-            </a:xfrm>
-            <a:prstGeom prst="rect">
-              <a:avLst/>
-            </a:prstGeom>
-            <a:noFill/>
-            <a:ln>
-              <a:noFill/>
-            </a:ln>
-            <a:effectLst/>
-            <a:extLst>
-              <a:ext uri="{909E8E84-426E-40dd-AFC4-6F175D3DCCD1}">
-                <a14:hiddenFill xmlns:a14="http://schemas.microsoft.com/office/drawing/2010/main">
-                  <a:solidFill>
-                    <a:schemeClr val="accent1"/>
-                  </a:solidFill>
-                </a14:hiddenFill>
-              </a:ext>
-              <a:ext uri="{91240B29-F687-4f45-9708-019B960494DF}">
-                <a14:hiddenLine xmlns:a14="http://schemas.microsoft.com/office/drawing/2010/main" w="9525">
-                  <a:solidFill>
-                    <a:schemeClr val="tx1"/>
-                  </a:solidFill>
-                  <a:miter lim="800000"/>
-                  <a:headEnd/>
-                  <a:tailEnd/>
-                </a14:hiddenLine>
-              </a:ext>
-              <a:ext uri="{AF507438-7753-43e0-B8FC-AC1667EBCBE1}">
-                <a14:hiddenEffects xmlns:a14="http://schemas.microsoft.com/office/drawing/2010/main">
-                  <a:effectLst>
-                    <a:outerShdw blurRad="63500" dist="38099" dir="2700000" algn="ctr" rotWithShape="0">
-                      <a:schemeClr val="bg2">
-                        <a:alpha val="74998"/>
-                      </a:schemeClr>
-                    </a:outerShdw>
-                  </a:effectLst>
-                </a14:hiddenEffects>
-              </a:ext>
-            </a:extLst>
-          </p:spPr>
-          <p:txBody>
-            <a:bodyPr wrap="none">
-              <a:spAutoFit/>
-            </a:bodyPr>
-            <a:lstStyle/>
-            <a:p>
-              <a:r>
-                <a:rPr lang="en-US"/>
-                <a:t>Index</a:t>
-              </a:r>
-            </a:p>
-          </p:txBody>
-        </p:sp>
-        <p:sp>
-          <p:nvSpPr>
-            <p:cNvPr id="31" name="Rectangle 19"/>
-            <p:cNvSpPr>
-              <a:spLocks noChangeArrowheads="1"/>
-            </p:cNvSpPr>
-            <p:nvPr/>
-          </p:nvSpPr>
-          <p:spPr bwMode="auto">
-            <a:xfrm>
-              <a:off x="2928" y="2544"/>
-              <a:ext cx="2544" cy="912"/>
-            </a:xfrm>
-            <a:prstGeom prst="rect">
-              <a:avLst/>
-            </a:prstGeom>
-            <a:noFill/>
-            <a:ln w="9525">
-              <a:solidFill>
-                <a:schemeClr val="tx1"/>
-              </a:solidFill>
-              <a:miter lim="800000"/>
-              <a:headEnd/>
-              <a:tailEnd/>
-            </a:ln>
-            <a:effectLst/>
-            <a:extLst>
-              <a:ext uri="{909E8E84-426E-40dd-AFC4-6F175D3DCCD1}">
-                <a14:hiddenFill xmlns:a14="http://schemas.microsoft.com/office/drawing/2010/main">
-                  <a:solidFill>
-                    <a:schemeClr val="accent1"/>
-                  </a:solidFill>
-                </a14:hiddenFill>
-              </a:ext>
-              <a:ext uri="{AF507438-7753-43e0-B8FC-AC1667EBCBE1}">
-                <a14:hiddenEffects xmlns:a14="http://schemas.microsoft.com/office/drawing/2010/main">
-                  <a:effectLst>
-                    <a:outerShdw blurRad="63500" dist="38099" dir="2700000" algn="ctr" rotWithShape="0">
-                      <a:schemeClr val="bg2">
-                        <a:alpha val="74998"/>
-                      </a:schemeClr>
-                    </a:outerShdw>
-                  </a:effectLst>
-                </a14:hiddenEffects>
-              </a:ext>
-            </a:extLst>
-          </p:spPr>
-          <p:txBody>
-            <a:bodyPr wrap="none" anchor="ctr"/>
-            <a:lstStyle/>
-            <a:p>
-              <a:endParaRPr lang="en-US"/>
-            </a:p>
-          </p:txBody>
-        </p:sp>
-        <p:sp>
-          <p:nvSpPr>
-            <p:cNvPr id="32" name="Text Box 20"/>
-            <p:cNvSpPr txBox="1">
-              <a:spLocks noChangeArrowheads="1"/>
-            </p:cNvSpPr>
-            <p:nvPr/>
-          </p:nvSpPr>
-          <p:spPr bwMode="auto">
-            <a:xfrm>
-              <a:off x="2976" y="2640"/>
-              <a:ext cx="528" cy="404"/>
-            </a:xfrm>
-            <a:prstGeom prst="rect">
-              <a:avLst/>
-            </a:prstGeom>
-            <a:noFill/>
-            <a:ln>
-              <a:noFill/>
-            </a:ln>
-            <a:effectLst/>
-            <a:extLst>
-              <a:ext uri="{909E8E84-426E-40dd-AFC4-6F175D3DCCD1}">
-                <a14:hiddenFill xmlns:a14="http://schemas.microsoft.com/office/drawing/2010/main">
-                  <a:solidFill>
-                    <a:schemeClr val="accent1"/>
-                  </a:solidFill>
-                </a14:hiddenFill>
-              </a:ext>
-              <a:ext uri="{91240B29-F687-4f45-9708-019B960494DF}">
-                <a14:hiddenLine xmlns:a14="http://schemas.microsoft.com/office/drawing/2010/main" w="9525">
-                  <a:solidFill>
-                    <a:schemeClr val="tx1"/>
-                  </a:solidFill>
-                  <a:miter lim="800000"/>
-                  <a:headEnd/>
-                  <a:tailEnd/>
-                </a14:hiddenLine>
-              </a:ext>
-              <a:ext uri="{AF507438-7753-43e0-B8FC-AC1667EBCBE1}">
-                <a14:hiddenEffects xmlns:a14="http://schemas.microsoft.com/office/drawing/2010/main">
-                  <a:effectLst>
-                    <a:outerShdw blurRad="63500" dist="38099" dir="2700000" algn="ctr" rotWithShape="0">
-                      <a:schemeClr val="bg2">
-                        <a:alpha val="74998"/>
-                      </a:schemeClr>
-                    </a:outerShdw>
-                  </a:effectLst>
-                </a14:hiddenEffects>
-              </a:ext>
-            </a:extLst>
-          </p:spPr>
-          <p:txBody>
-            <a:bodyPr>
-              <a:spAutoFit/>
-            </a:bodyPr>
-            <a:lstStyle/>
-            <a:p>
-              <a:r>
-                <a:rPr lang="en-US"/>
-                <a:t>64K block</a:t>
-              </a:r>
-            </a:p>
-          </p:txBody>
-        </p:sp>
-        <p:sp>
-          <p:nvSpPr>
-            <p:cNvPr id="33" name="Text Box 21"/>
-            <p:cNvSpPr txBox="1">
-              <a:spLocks noChangeArrowheads="1"/>
-            </p:cNvSpPr>
-            <p:nvPr/>
-          </p:nvSpPr>
-          <p:spPr bwMode="auto">
-            <a:xfrm>
-              <a:off x="3600" y="2640"/>
-              <a:ext cx="528" cy="404"/>
-            </a:xfrm>
-            <a:prstGeom prst="rect">
-              <a:avLst/>
-            </a:prstGeom>
-            <a:noFill/>
-            <a:ln>
-              <a:noFill/>
-            </a:ln>
-            <a:effectLst/>
-            <a:extLst>
-              <a:ext uri="{909E8E84-426E-40dd-AFC4-6F175D3DCCD1}">
-                <a14:hiddenFill xmlns:a14="http://schemas.microsoft.com/office/drawing/2010/main">
-                  <a:solidFill>
-                    <a:schemeClr val="accent1"/>
-                  </a:solidFill>
-                </a14:hiddenFill>
-              </a:ext>
-              <a:ext uri="{91240B29-F687-4f45-9708-019B960494DF}">
-                <a14:hiddenLine xmlns:a14="http://schemas.microsoft.com/office/drawing/2010/main" w="9525">
-                  <a:solidFill>
-                    <a:schemeClr val="tx1"/>
-                  </a:solidFill>
-                  <a:miter lim="800000"/>
-                  <a:headEnd/>
-                  <a:tailEnd/>
-                </a14:hiddenLine>
-              </a:ext>
-              <a:ext uri="{AF507438-7753-43e0-B8FC-AC1667EBCBE1}">
-                <a14:hiddenEffects xmlns:a14="http://schemas.microsoft.com/office/drawing/2010/main">
-                  <a:effectLst>
-                    <a:outerShdw blurRad="63500" dist="38099" dir="2700000" algn="ctr" rotWithShape="0">
-                      <a:schemeClr val="bg2">
-                        <a:alpha val="74998"/>
-                      </a:schemeClr>
-                    </a:outerShdw>
-                  </a:effectLst>
-                </a14:hiddenEffects>
-              </a:ext>
-            </a:extLst>
-          </p:spPr>
-          <p:txBody>
-            <a:bodyPr>
-              <a:spAutoFit/>
-            </a:bodyPr>
-            <a:lstStyle/>
-            <a:p>
-              <a:r>
-                <a:rPr lang="en-US"/>
-                <a:t>64K block</a:t>
-              </a:r>
-            </a:p>
-          </p:txBody>
-        </p:sp>
-        <p:sp>
-          <p:nvSpPr>
-            <p:cNvPr id="34" name="Text Box 22"/>
-            <p:cNvSpPr txBox="1">
-              <a:spLocks noChangeArrowheads="1"/>
-            </p:cNvSpPr>
-            <p:nvPr/>
-          </p:nvSpPr>
-          <p:spPr bwMode="auto">
-            <a:xfrm>
-              <a:off x="4224" y="2640"/>
-              <a:ext cx="528" cy="404"/>
-            </a:xfrm>
-            <a:prstGeom prst="rect">
-              <a:avLst/>
-            </a:prstGeom>
-            <a:noFill/>
-            <a:ln>
-              <a:noFill/>
-            </a:ln>
-            <a:effectLst/>
-            <a:extLst>
-              <a:ext uri="{909E8E84-426E-40dd-AFC4-6F175D3DCCD1}">
-                <a14:hiddenFill xmlns:a14="http://schemas.microsoft.com/office/drawing/2010/main">
-                  <a:solidFill>
-                    <a:schemeClr val="accent1"/>
-                  </a:solidFill>
-                </a14:hiddenFill>
-              </a:ext>
-              <a:ext uri="{91240B29-F687-4f45-9708-019B960494DF}">
-                <a14:hiddenLine xmlns:a14="http://schemas.microsoft.com/office/drawing/2010/main" w="9525">
-                  <a:solidFill>
-                    <a:schemeClr val="tx1"/>
-                  </a:solidFill>
-                  <a:miter lim="800000"/>
-                  <a:headEnd/>
-                  <a:tailEnd/>
-                </a14:hiddenLine>
-              </a:ext>
-              <a:ext uri="{AF507438-7753-43e0-B8FC-AC1667EBCBE1}">
-                <a14:hiddenEffects xmlns:a14="http://schemas.microsoft.com/office/drawing/2010/main">
-                  <a:effectLst>
-                    <a:outerShdw blurRad="63500" dist="38099" dir="2700000" algn="ctr" rotWithShape="0">
-                      <a:schemeClr val="bg2">
-                        <a:alpha val="74998"/>
-                      </a:schemeClr>
-                    </a:outerShdw>
-                  </a:effectLst>
-                </a14:hiddenEffects>
-              </a:ext>
-            </a:extLst>
-          </p:spPr>
-          <p:txBody>
-            <a:bodyPr>
-              <a:spAutoFit/>
-            </a:bodyPr>
-            <a:lstStyle/>
-            <a:p>
-              <a:r>
-                <a:rPr lang="en-US"/>
-                <a:t>64K block</a:t>
-              </a:r>
-            </a:p>
-          </p:txBody>
-        </p:sp>
-        <p:sp>
-          <p:nvSpPr>
-            <p:cNvPr id="35" name="Text Box 23"/>
-            <p:cNvSpPr txBox="1">
-              <a:spLocks noChangeArrowheads="1"/>
-            </p:cNvSpPr>
-            <p:nvPr/>
-          </p:nvSpPr>
-          <p:spPr bwMode="auto">
-            <a:xfrm>
-              <a:off x="4838" y="2567"/>
-              <a:ext cx="668" cy="231"/>
-            </a:xfrm>
-            <a:prstGeom prst="rect">
-              <a:avLst/>
-            </a:prstGeom>
-            <a:noFill/>
-            <a:ln>
-              <a:noFill/>
-            </a:ln>
-            <a:effectLst/>
-            <a:extLst>
-              <a:ext uri="{909E8E84-426E-40dd-AFC4-6F175D3DCCD1}">
-                <a14:hiddenFill xmlns:a14="http://schemas.microsoft.com/office/drawing/2010/main">
-                  <a:solidFill>
-                    <a:schemeClr val="accent1"/>
-                  </a:solidFill>
-                </a14:hiddenFill>
-              </a:ext>
-              <a:ext uri="{91240B29-F687-4f45-9708-019B960494DF}">
-                <a14:hiddenLine xmlns:a14="http://schemas.microsoft.com/office/drawing/2010/main" w="9525">
-                  <a:solidFill>
-                    <a:schemeClr val="tx1"/>
-                  </a:solidFill>
-                  <a:miter lim="800000"/>
-                  <a:headEnd/>
-                  <a:tailEnd/>
-                </a14:hiddenLine>
-              </a:ext>
-              <a:ext uri="{AF507438-7753-43e0-B8FC-AC1667EBCBE1}">
-                <a14:hiddenEffects xmlns:a14="http://schemas.microsoft.com/office/drawing/2010/main">
-                  <a:effectLst>
-                    <a:outerShdw blurRad="63500" dist="38099" dir="2700000" algn="ctr" rotWithShape="0">
-                      <a:schemeClr val="bg2">
-                        <a:alpha val="74998"/>
-                      </a:schemeClr>
-                    </a:outerShdw>
-                  </a:effectLst>
-                </a14:hiddenEffects>
-              </a:ext>
-            </a:extLst>
-          </p:spPr>
-          <p:txBody>
-            <a:bodyPr wrap="none">
-              <a:spAutoFit/>
-            </a:bodyPr>
-            <a:lstStyle/>
-            <a:p>
-              <a:r>
-                <a:rPr lang="en-US"/>
-                <a:t>SSTable</a:t>
-              </a:r>
-            </a:p>
-          </p:txBody>
-        </p:sp>
-        <p:sp>
-          <p:nvSpPr>
-            <p:cNvPr id="36" name="Rectangle 29"/>
-            <p:cNvSpPr>
-              <a:spLocks noChangeArrowheads="1"/>
-            </p:cNvSpPr>
-            <p:nvPr/>
-          </p:nvSpPr>
-          <p:spPr bwMode="auto">
-            <a:xfrm>
-              <a:off x="96" y="2208"/>
-              <a:ext cx="5520" cy="1344"/>
-            </a:xfrm>
-            <a:prstGeom prst="rect">
-              <a:avLst/>
-            </a:prstGeom>
-            <a:noFill/>
-            <a:ln w="9525">
-              <a:solidFill>
-                <a:schemeClr val="tx1"/>
-              </a:solidFill>
-              <a:miter lim="800000"/>
-              <a:headEnd/>
-              <a:tailEnd/>
-            </a:ln>
-            <a:effectLst/>
-            <a:extLst>
-              <a:ext uri="{909E8E84-426E-40dd-AFC4-6F175D3DCCD1}">
-                <a14:hiddenFill xmlns:a14="http://schemas.microsoft.com/office/drawing/2010/main">
-                  <a:solidFill>
-                    <a:schemeClr val="accent1"/>
-                  </a:solidFill>
-                </a14:hiddenFill>
-              </a:ext>
-              <a:ext uri="{AF507438-7753-43e0-B8FC-AC1667EBCBE1}">
-                <a14:hiddenEffects xmlns:a14="http://schemas.microsoft.com/office/drawing/2010/main">
-                  <a:effectLst>
-                    <a:outerShdw blurRad="63500" dist="38099" dir="2700000" algn="ctr" rotWithShape="0">
-                      <a:schemeClr val="bg2">
-                        <a:alpha val="74998"/>
-                      </a:schemeClr>
-                    </a:outerShdw>
-                  </a:effectLst>
-                </a14:hiddenEffects>
-              </a:ext>
-            </a:extLst>
-          </p:spPr>
-          <p:txBody>
-            <a:bodyPr wrap="none" anchor="ctr"/>
-            <a:lstStyle/>
-            <a:p>
-              <a:endParaRPr lang="en-US"/>
-            </a:p>
-          </p:txBody>
-        </p:sp>
-        <p:sp>
-          <p:nvSpPr>
-            <p:cNvPr id="37" name="Text Box 30"/>
-            <p:cNvSpPr txBox="1">
-              <a:spLocks noChangeArrowheads="1"/>
-            </p:cNvSpPr>
-            <p:nvPr/>
-          </p:nvSpPr>
-          <p:spPr bwMode="auto">
-            <a:xfrm>
-              <a:off x="230" y="2231"/>
-              <a:ext cx="516" cy="231"/>
-            </a:xfrm>
-            <a:prstGeom prst="rect">
-              <a:avLst/>
-            </a:prstGeom>
-            <a:noFill/>
-            <a:ln>
-              <a:noFill/>
-            </a:ln>
-            <a:effectLst/>
-            <a:extLst>
-              <a:ext uri="{909E8E84-426E-40dd-AFC4-6F175D3DCCD1}">
-                <a14:hiddenFill xmlns:a14="http://schemas.microsoft.com/office/drawing/2010/main">
-                  <a:solidFill>
-                    <a:schemeClr val="accent1"/>
-                  </a:solidFill>
-                </a14:hiddenFill>
-              </a:ext>
-              <a:ext uri="{91240B29-F687-4f45-9708-019B960494DF}">
-                <a14:hiddenLine xmlns:a14="http://schemas.microsoft.com/office/drawing/2010/main" w="9525">
-                  <a:solidFill>
-                    <a:schemeClr val="tx1"/>
-                  </a:solidFill>
-                  <a:miter lim="800000"/>
-                  <a:headEnd/>
-                  <a:tailEnd/>
-                </a14:hiddenLine>
-              </a:ext>
-              <a:ext uri="{AF507438-7753-43e0-B8FC-AC1667EBCBE1}">
-                <a14:hiddenEffects xmlns:a14="http://schemas.microsoft.com/office/drawing/2010/main">
-                  <a:effectLst>
-                    <a:outerShdw blurRad="63500" dist="38099" dir="2700000" algn="ctr" rotWithShape="0">
-                      <a:schemeClr val="bg2">
-                        <a:alpha val="74998"/>
-                      </a:schemeClr>
-                    </a:outerShdw>
-                  </a:effectLst>
-                </a14:hiddenEffects>
-              </a:ext>
-            </a:extLst>
-          </p:spPr>
-          <p:txBody>
-            <a:bodyPr wrap="none">
-              <a:spAutoFit/>
-            </a:bodyPr>
-            <a:lstStyle/>
-            <a:p>
-              <a:r>
-                <a:rPr lang="en-US"/>
-                <a:t>Tablet</a:t>
-              </a:r>
-            </a:p>
-          </p:txBody>
-        </p:sp>
-        <p:sp>
-          <p:nvSpPr>
-            <p:cNvPr id="38" name="Text Box 31"/>
-            <p:cNvSpPr txBox="1">
-              <a:spLocks noChangeArrowheads="1"/>
-            </p:cNvSpPr>
-            <p:nvPr/>
-          </p:nvSpPr>
-          <p:spPr bwMode="auto">
-            <a:xfrm>
-              <a:off x="902" y="2183"/>
-              <a:ext cx="116" cy="231"/>
-            </a:xfrm>
-            <a:prstGeom prst="rect">
-              <a:avLst/>
-            </a:prstGeom>
-            <a:noFill/>
-            <a:ln>
-              <a:noFill/>
-            </a:ln>
-            <a:effectLst/>
-            <a:extLst>
-              <a:ext uri="{909E8E84-426E-40dd-AFC4-6F175D3DCCD1}">
-                <a14:hiddenFill xmlns:a14="http://schemas.microsoft.com/office/drawing/2010/main">
-                  <a:solidFill>
-                    <a:schemeClr val="accent1"/>
-                  </a:solidFill>
-                </a14:hiddenFill>
-              </a:ext>
-              <a:ext uri="{91240B29-F687-4f45-9708-019B960494DF}">
-                <a14:hiddenLine xmlns:a14="http://schemas.microsoft.com/office/drawing/2010/main" w="9525">
-                  <a:solidFill>
-                    <a:schemeClr val="tx1"/>
-                  </a:solidFill>
-                  <a:miter lim="800000"/>
-                  <a:headEnd/>
-                  <a:tailEnd/>
-                </a14:hiddenLine>
-              </a:ext>
-              <a:ext uri="{AF507438-7753-43e0-B8FC-AC1667EBCBE1}">
-                <a14:hiddenEffects xmlns:a14="http://schemas.microsoft.com/office/drawing/2010/main">
-                  <a:effectLst>
-                    <a:outerShdw blurRad="63500" dist="38099" dir="2700000" algn="ctr" rotWithShape="0">
-                      <a:schemeClr val="bg2">
-                        <a:alpha val="74998"/>
-                      </a:schemeClr>
-                    </a:outerShdw>
-                  </a:effectLst>
-                </a14:hiddenEffects>
-              </a:ext>
-            </a:extLst>
-          </p:spPr>
-          <p:txBody>
-            <a:bodyPr wrap="none">
-              <a:spAutoFit/>
-            </a:bodyPr>
-            <a:lstStyle/>
-            <a:p>
-              <a:endParaRPr lang="en-US"/>
-            </a:p>
-          </p:txBody>
-        </p:sp>
-        <p:sp>
-          <p:nvSpPr>
-            <p:cNvPr id="39" name="Text Box 32"/>
-            <p:cNvSpPr txBox="1">
-              <a:spLocks noChangeArrowheads="1"/>
-            </p:cNvSpPr>
-            <p:nvPr/>
-          </p:nvSpPr>
-          <p:spPr bwMode="auto">
-            <a:xfrm>
-              <a:off x="912" y="2208"/>
-              <a:ext cx="1152" cy="231"/>
-            </a:xfrm>
-            <a:prstGeom prst="rect">
-              <a:avLst/>
-            </a:prstGeom>
-            <a:noFill/>
-            <a:ln>
-              <a:noFill/>
-            </a:ln>
-            <a:effectLst/>
-            <a:extLst>
-              <a:ext uri="{909E8E84-426E-40dd-AFC4-6F175D3DCCD1}">
-                <a14:hiddenFill xmlns:a14="http://schemas.microsoft.com/office/drawing/2010/main">
-                  <a:solidFill>
-                    <a:schemeClr val="accent1"/>
-                  </a:solidFill>
-                </a14:hiddenFill>
-              </a:ext>
-              <a:ext uri="{91240B29-F687-4f45-9708-019B960494DF}">
-                <a14:hiddenLine xmlns:a14="http://schemas.microsoft.com/office/drawing/2010/main" w="9525">
-                  <a:solidFill>
-                    <a:schemeClr val="tx1"/>
-                  </a:solidFill>
-                  <a:miter lim="800000"/>
-                  <a:headEnd/>
-                  <a:tailEnd/>
-                </a14:hiddenLine>
-              </a:ext>
-              <a:ext uri="{AF507438-7753-43e0-B8FC-AC1667EBCBE1}">
-                <a14:hiddenEffects xmlns:a14="http://schemas.microsoft.com/office/drawing/2010/main">
-                  <a:effectLst>
-                    <a:outerShdw blurRad="63500" dist="38099" dir="2700000" algn="ctr" rotWithShape="0">
-                      <a:schemeClr val="bg2">
-                        <a:alpha val="74998"/>
-                      </a:schemeClr>
-                    </a:outerShdw>
-                  </a:effectLst>
-                </a14:hiddenEffects>
-              </a:ext>
-            </a:extLst>
-          </p:spPr>
-          <p:txBody>
-            <a:bodyPr>
-              <a:spAutoFit/>
-            </a:bodyPr>
-            <a:lstStyle/>
-            <a:p>
-              <a:pPr>
-                <a:spcBef>
-                  <a:spcPct val="50000"/>
-                </a:spcBef>
-              </a:pPr>
-              <a:r>
-                <a:rPr lang="en-US"/>
-                <a:t>Start:aardvark</a:t>
-              </a:r>
-            </a:p>
-          </p:txBody>
-        </p:sp>
-        <p:sp>
-          <p:nvSpPr>
-            <p:cNvPr id="40" name="Text Box 33"/>
-            <p:cNvSpPr txBox="1">
-              <a:spLocks noChangeArrowheads="1"/>
-            </p:cNvSpPr>
-            <p:nvPr/>
-          </p:nvSpPr>
-          <p:spPr bwMode="auto">
-            <a:xfrm>
-              <a:off x="2160" y="2208"/>
-              <a:ext cx="864" cy="231"/>
-            </a:xfrm>
-            <a:prstGeom prst="rect">
-              <a:avLst/>
-            </a:prstGeom>
-            <a:noFill/>
-            <a:ln>
-              <a:noFill/>
-            </a:ln>
-            <a:effectLst/>
-            <a:extLst>
-              <a:ext uri="{909E8E84-426E-40dd-AFC4-6F175D3DCCD1}">
-                <a14:hiddenFill xmlns:a14="http://schemas.microsoft.com/office/drawing/2010/main">
-                  <a:solidFill>
-                    <a:schemeClr val="accent1"/>
-                  </a:solidFill>
-                </a14:hiddenFill>
-              </a:ext>
-              <a:ext uri="{91240B29-F687-4f45-9708-019B960494DF}">
-                <a14:hiddenLine xmlns:a14="http://schemas.microsoft.com/office/drawing/2010/main" w="9525">
-                  <a:solidFill>
-                    <a:schemeClr val="tx1"/>
-                  </a:solidFill>
-                  <a:miter lim="800000"/>
-                  <a:headEnd/>
-                  <a:tailEnd/>
-                </a14:hiddenLine>
-              </a:ext>
-              <a:ext uri="{AF507438-7753-43e0-B8FC-AC1667EBCBE1}">
-                <a14:hiddenEffects xmlns:a14="http://schemas.microsoft.com/office/drawing/2010/main">
-                  <a:effectLst>
-                    <a:outerShdw blurRad="63500" dist="38099" dir="2700000" algn="ctr" rotWithShape="0">
-                      <a:schemeClr val="bg2">
-                        <a:alpha val="74998"/>
-                      </a:schemeClr>
-                    </a:outerShdw>
-                  </a:effectLst>
-                </a14:hiddenEffects>
-              </a:ext>
-            </a:extLst>
-          </p:spPr>
-          <p:txBody>
-            <a:bodyPr>
-              <a:spAutoFit/>
-            </a:bodyPr>
-            <a:lstStyle/>
-            <a:p>
-              <a:pPr>
-                <a:spcBef>
-                  <a:spcPct val="50000"/>
-                </a:spcBef>
-              </a:pPr>
-              <a:r>
-                <a:rPr lang="en-US" dirty="0" err="1"/>
-                <a:t>End:apple</a:t>
-              </a:r>
-              <a:endParaRPr lang="en-US" dirty="0"/>
-            </a:p>
-          </p:txBody>
-        </p:sp>
-      </p:grpSp>
+          </a:blip>
+          <a:stretch>
+            <a:fillRect/>
+          </a:stretch>
+        </p:blipFill>
+        <p:spPr>
+          <a:xfrm>
+            <a:off x="0" y="3947242"/>
+            <a:ext cx="9144000" cy="2643829"/>
+          </a:xfrm>
+          <a:prstGeom prst="rect">
+            <a:avLst/>
+          </a:prstGeom>
+        </p:spPr>
+      </p:pic>
     </p:spTree>
     <p:extLst>
       <p:ext uri="{BB962C8B-B14F-4D97-AF65-F5344CB8AC3E}">
@@ -19393,56 +18479,32 @@
       </p:sp>
       <p:pic>
         <p:nvPicPr>
-          <p:cNvPr id="4" name="Picture 3" descr="location.tiff"/>
+          <p:cNvPr id="5" name="图片 4" descr="pic7.eps"/>
           <p:cNvPicPr>
             <a:picLocks noChangeAspect="1"/>
           </p:cNvPicPr>
           <p:nvPr/>
         </p:nvPicPr>
         <p:blipFill>
-          <a:blip r:embed="rId2">
+          <a:blip r:embed="rId3">
             <a:extLst>
               <a:ext uri="{28A0092B-C50C-407E-A947-70E740481C1C}">
                 <a14:useLocalDpi xmlns:a14="http://schemas.microsoft.com/office/drawing/2010/main" val="0"/>
               </a:ext>
             </a:extLst>
           </a:blip>
-          <a:srcRect t="5148" b="1633"/>
           <a:stretch>
             <a:fillRect/>
           </a:stretch>
         </p:blipFill>
-        <p:spPr bwMode="auto">
+        <p:spPr>
           <a:xfrm>
-            <a:off x="1414795" y="3746447"/>
-            <a:ext cx="6257411" cy="3111553"/>
+            <a:off x="1687872" y="3720538"/>
+            <a:ext cx="5547032" cy="3137461"/>
           </a:xfrm>
           <a:prstGeom prst="rect">
             <a:avLst/>
           </a:prstGeom>
-          <a:noFill/>
-          <a:ln>
-            <a:noFill/>
-          </a:ln>
-          <a:extLst>
-            <a:ext uri="{909E8E84-426E-40dd-AFC4-6F175D3DCCD1}">
-              <a14:hiddenFill xmlns:a14="http://schemas.microsoft.com/office/drawing/2010/main">
-                <a:solidFill>
-                  <a:srgbClr val="FFFFFF"/>
-                </a:solidFill>
-              </a14:hiddenFill>
-            </a:ext>
-            <a:ext uri="{91240B29-F687-4f45-9708-019B960494DF}">
-              <a14:hiddenLine xmlns:a14="http://schemas.microsoft.com/office/drawing/2010/main" w="9525">
-                <a:solidFill>
-                  <a:srgbClr val="000000"/>
-                </a:solidFill>
-                <a:miter lim="800000"/>
-                <a:headEnd/>
-                <a:tailEnd/>
-              </a14:hiddenLine>
-            </a:ext>
-          </a:extLst>
         </p:spPr>
       </p:pic>
     </p:spTree>
@@ -19458,83 +18520,7 @@
   <p:timing>
     <p:tnLst>
       <p:par>
-        <p:cTn xmlns:p14="http://schemas.microsoft.com/office/powerpoint/2010/main" id="1" dur="indefinite" restart="never" nodeType="tmRoot">
-          <p:childTnLst>
-            <p:seq concurrent="1" nextAc="seek">
-              <p:cTn id="2" dur="indefinite" nodeType="mainSeq">
-                <p:childTnLst>
-                  <p:par>
-                    <p:cTn id="3" fill="hold">
-                      <p:stCondLst>
-                        <p:cond delay="indefinite"/>
-                      </p:stCondLst>
-                      <p:childTnLst>
-                        <p:par>
-                          <p:cTn id="4" fill="hold">
-                            <p:stCondLst>
-                              <p:cond delay="0"/>
-                            </p:stCondLst>
-                            <p:childTnLst>
-                              <p:par>
-                                <p:cTn id="5" presetID="3" presetClass="entr" presetSubtype="10" fill="hold" nodeType="clickEffect">
-                                  <p:stCondLst>
-                                    <p:cond delay="0"/>
-                                  </p:stCondLst>
-                                  <p:childTnLst>
-                                    <p:set>
-                                      <p:cBhvr>
-                                        <p:cTn id="6" dur="1" fill="hold">
-                                          <p:stCondLst>
-                                            <p:cond delay="0"/>
-                                          </p:stCondLst>
-                                        </p:cTn>
-                                        <p:tgtEl>
-                                          <p:spTgt spid="4"/>
-                                        </p:tgtEl>
-                                        <p:attrNameLst>
-                                          <p:attrName>style.visibility</p:attrName>
-                                        </p:attrNameLst>
-                                      </p:cBhvr>
-                                      <p:to>
-                                        <p:strVal val="visible"/>
-                                      </p:to>
-                                    </p:set>
-                                    <p:animEffect transition="in" filter="blinds(horizontal)">
-                                      <p:cBhvr>
-                                        <p:cTn id="7" dur="500"/>
-                                        <p:tgtEl>
-                                          <p:spTgt spid="4"/>
-                                        </p:tgtEl>
-                                      </p:cBhvr>
-                                    </p:animEffect>
-                                  </p:childTnLst>
-                                </p:cTn>
-                              </p:par>
-                            </p:childTnLst>
-                          </p:cTn>
-                        </p:par>
-                      </p:childTnLst>
-                    </p:cTn>
-                  </p:par>
-                </p:childTnLst>
-              </p:cTn>
-              <p:prevCondLst>
-                <p:cond evt="onPrev" delay="0">
-                  <p:tgtEl>
-                    <p:sldTgt/>
-                  </p:tgtEl>
-                </p:cond>
-              </p:prevCondLst>
-              <p:nextCondLst>
-                <p:cond evt="onNext" delay="0">
-                  <p:tgtEl>
-                    <p:sldTgt/>
-                  </p:tgtEl>
-                </p:cond>
-              </p:nextCondLst>
-            </p:seq>
-          </p:childTnLst>
-        </p:cTn>
+        <p:cTn xmlns:p14="http://schemas.microsoft.com/office/powerpoint/2010/main" id="1" dur="indefinite" restart="never" nodeType="tmRoot"/>
       </p:par>
     </p:tnLst>
   </p:timing>
@@ -19591,10 +18577,15 @@
             <p:ph idx="1"/>
           </p:nvPr>
         </p:nvSpPr>
-        <p:spPr/>
+        <p:spPr>
+          <a:xfrm>
+            <a:off x="457200" y="1600200"/>
+            <a:ext cx="8229600" cy="4766187"/>
+          </a:xfrm>
+        </p:spPr>
         <p:txBody>
           <a:bodyPr>
-            <a:normAutofit lnSpcReduction="10000"/>
+            <a:normAutofit/>
           </a:bodyPr>
           <a:lstStyle/>
           <a:p>
@@ -19611,11 +18602,7 @@
           <a:p>
             <a:r>
               <a:rPr lang="en-US" dirty="0" smtClean="0"/>
-              <a:t>Disk</a:t>
-            </a:r>
-            <a:r>
-              <a:rPr lang="en-US" dirty="0" smtClean="0"/>
-              <a:t> structure, with</a:t>
+              <a:t>Disk structure, with</a:t>
             </a:r>
             <a:r>
               <a:rPr lang="zh-CN" altLang="en-US" dirty="0" smtClean="0"/>
@@ -19651,7 +18638,7 @@
             <a:endParaRPr lang="en-US" dirty="0" smtClean="0"/>
           </a:p>
           <a:p>
-            <a:endParaRPr lang="en-US" dirty="0"/>
+            <a:endParaRPr lang="en-US" dirty="0" smtClean="0"/>
           </a:p>
           <a:p>
             <a:endParaRPr lang="en-US" dirty="0" smtClean="0"/>
@@ -19697,521 +18684,36 @@
           </a:p>
         </p:txBody>
       </p:sp>
-      <p:sp>
-        <p:nvSpPr>
-          <p:cNvPr id="30" name="Rectangle 4"/>
-          <p:cNvSpPr>
-            <a:spLocks noChangeArrowheads="1"/>
-          </p:cNvSpPr>
+      <p:pic>
+        <p:nvPicPr>
+          <p:cNvPr id="4" name="图片 3" descr="pic5.eps"/>
+          <p:cNvPicPr>
+            <a:picLocks noChangeAspect="1"/>
+          </p:cNvPicPr>
           <p:nvPr/>
-        </p:nvSpPr>
-        <p:spPr bwMode="auto">
+        </p:nvPicPr>
+        <p:blipFill>
+          <a:blip r:embed="rId3">
+            <a:extLst>
+              <a:ext uri="{28A0092B-C50C-407E-A947-70E740481C1C}">
+                <a14:useLocalDpi xmlns:a14="http://schemas.microsoft.com/office/drawing/2010/main" val="0"/>
+              </a:ext>
+            </a:extLst>
+          </a:blip>
+          <a:stretch>
+            <a:fillRect/>
+          </a:stretch>
+        </p:blipFill>
+        <p:spPr>
           <a:xfrm>
-            <a:off x="2149475" y="3674649"/>
-            <a:ext cx="914400" cy="1295400"/>
+            <a:off x="1839861" y="3425313"/>
+            <a:ext cx="5378655" cy="2227978"/>
           </a:xfrm>
           <a:prstGeom prst="rect">
             <a:avLst/>
           </a:prstGeom>
-          <a:noFill/>
-          <a:ln w="9525">
-            <a:solidFill>
-              <a:srgbClr val="000000"/>
-            </a:solidFill>
-            <a:miter lim="800000"/>
-            <a:headEnd/>
-            <a:tailEnd/>
-          </a:ln>
-          <a:effectLst/>
         </p:spPr>
-        <p:txBody>
-          <a:bodyPr wrap="none" anchor="ctr"/>
-          <a:lstStyle/>
-          <a:p>
-            <a:pPr fontAlgn="auto">
-              <a:spcBef>
-                <a:spcPts val="0"/>
-              </a:spcBef>
-              <a:spcAft>
-                <a:spcPts val="0"/>
-              </a:spcAft>
-              <a:defRPr/>
-            </a:pPr>
-            <a:endParaRPr lang="en-US" sz="1800" b="0" kern="0">
-              <a:solidFill>
-                <a:sysClr val="windowText" lastClr="000000"/>
-              </a:solidFill>
-              <a:ea typeface="+mn-ea"/>
-              <a:cs typeface="+mn-cs"/>
-            </a:endParaRPr>
-          </a:p>
-        </p:txBody>
-      </p:sp>
-      <p:sp>
-        <p:nvSpPr>
-          <p:cNvPr id="31" name="Rectangle 5"/>
-          <p:cNvSpPr>
-            <a:spLocks noChangeArrowheads="1"/>
-          </p:cNvSpPr>
-          <p:nvPr/>
-        </p:nvSpPr>
-        <p:spPr bwMode="auto">
-          <a:xfrm>
-            <a:off x="3140075" y="3674649"/>
-            <a:ext cx="914400" cy="1295400"/>
-          </a:xfrm>
-          <a:prstGeom prst="rect">
-            <a:avLst/>
-          </a:prstGeom>
-          <a:noFill/>
-          <a:ln w="9525">
-            <a:solidFill>
-              <a:srgbClr val="000000"/>
-            </a:solidFill>
-            <a:miter lim="800000"/>
-            <a:headEnd/>
-            <a:tailEnd/>
-          </a:ln>
-          <a:effectLst/>
-        </p:spPr>
-        <p:txBody>
-          <a:bodyPr wrap="none" anchor="ctr"/>
-          <a:lstStyle/>
-          <a:p>
-            <a:pPr fontAlgn="auto">
-              <a:spcBef>
-                <a:spcPts val="0"/>
-              </a:spcBef>
-              <a:spcAft>
-                <a:spcPts val="0"/>
-              </a:spcAft>
-              <a:defRPr/>
-            </a:pPr>
-            <a:endParaRPr lang="en-US" sz="1800" b="0" kern="0">
-              <a:solidFill>
-                <a:sysClr val="windowText" lastClr="000000"/>
-              </a:solidFill>
-              <a:ea typeface="+mn-ea"/>
-              <a:cs typeface="+mn-cs"/>
-            </a:endParaRPr>
-          </a:p>
-        </p:txBody>
-      </p:sp>
-      <p:sp>
-        <p:nvSpPr>
-          <p:cNvPr id="32" name="Rectangle 6"/>
-          <p:cNvSpPr>
-            <a:spLocks noChangeArrowheads="1"/>
-          </p:cNvSpPr>
-          <p:nvPr/>
-        </p:nvSpPr>
-        <p:spPr bwMode="auto">
-          <a:xfrm>
-            <a:off x="4130675" y="3674649"/>
-            <a:ext cx="914400" cy="1295400"/>
-          </a:xfrm>
-          <a:prstGeom prst="rect">
-            <a:avLst/>
-          </a:prstGeom>
-          <a:noFill/>
-          <a:ln w="9525">
-            <a:solidFill>
-              <a:srgbClr val="000000"/>
-            </a:solidFill>
-            <a:miter lim="800000"/>
-            <a:headEnd/>
-            <a:tailEnd/>
-          </a:ln>
-          <a:effectLst/>
-        </p:spPr>
-        <p:txBody>
-          <a:bodyPr wrap="none" anchor="ctr"/>
-          <a:lstStyle/>
-          <a:p>
-            <a:pPr fontAlgn="auto">
-              <a:spcBef>
-                <a:spcPts val="0"/>
-              </a:spcBef>
-              <a:spcAft>
-                <a:spcPts val="0"/>
-              </a:spcAft>
-              <a:defRPr/>
-            </a:pPr>
-            <a:endParaRPr lang="en-US" sz="1800" b="0" kern="0">
-              <a:solidFill>
-                <a:sysClr val="windowText" lastClr="000000"/>
-              </a:solidFill>
-              <a:ea typeface="+mn-ea"/>
-              <a:cs typeface="+mn-cs"/>
-            </a:endParaRPr>
-          </a:p>
-        </p:txBody>
-      </p:sp>
-      <p:sp>
-        <p:nvSpPr>
-          <p:cNvPr id="33" name="Rectangle 7"/>
-          <p:cNvSpPr>
-            <a:spLocks noChangeArrowheads="1"/>
-          </p:cNvSpPr>
-          <p:nvPr/>
-        </p:nvSpPr>
-        <p:spPr bwMode="auto">
-          <a:xfrm>
-            <a:off x="5121275" y="4512849"/>
-            <a:ext cx="762000" cy="457200"/>
-          </a:xfrm>
-          <a:prstGeom prst="rect">
-            <a:avLst/>
-          </a:prstGeom>
-          <a:noFill/>
-          <a:ln w="9525">
-            <a:solidFill>
-              <a:srgbClr val="000000"/>
-            </a:solidFill>
-            <a:miter lim="800000"/>
-            <a:headEnd/>
-            <a:tailEnd/>
-          </a:ln>
-          <a:effectLst/>
-        </p:spPr>
-        <p:txBody>
-          <a:bodyPr wrap="none" anchor="ctr"/>
-          <a:lstStyle/>
-          <a:p>
-            <a:pPr fontAlgn="auto">
-              <a:spcBef>
-                <a:spcPts val="0"/>
-              </a:spcBef>
-              <a:spcAft>
-                <a:spcPts val="0"/>
-              </a:spcAft>
-              <a:defRPr/>
-            </a:pPr>
-            <a:endParaRPr lang="en-US" sz="1800" b="0" kern="0">
-              <a:solidFill>
-                <a:sysClr val="windowText" lastClr="000000"/>
-              </a:solidFill>
-              <a:ea typeface="+mn-ea"/>
-              <a:cs typeface="+mn-cs"/>
-            </a:endParaRPr>
-          </a:p>
-        </p:txBody>
-      </p:sp>
-      <p:sp>
-        <p:nvSpPr>
-          <p:cNvPr id="34" name="Text Box 8"/>
-          <p:cNvSpPr txBox="1">
-            <a:spLocks noChangeArrowheads="1"/>
-          </p:cNvSpPr>
-          <p:nvPr/>
-        </p:nvSpPr>
-        <p:spPr bwMode="auto">
-          <a:xfrm>
-            <a:off x="5121275" y="4589049"/>
-            <a:ext cx="742950" cy="366713"/>
-          </a:xfrm>
-          <a:prstGeom prst="rect">
-            <a:avLst/>
-          </a:prstGeom>
-          <a:noFill/>
-          <a:ln w="9525">
-            <a:noFill/>
-            <a:miter lim="800000"/>
-            <a:headEnd/>
-            <a:tailEnd/>
-          </a:ln>
-          <a:effectLst/>
-        </p:spPr>
-        <p:txBody>
-          <a:bodyPr wrap="none">
-            <a:spAutoFit/>
-          </a:bodyPr>
-          <a:lstStyle/>
-          <a:p>
-            <a:pPr fontAlgn="auto">
-              <a:spcBef>
-                <a:spcPts val="0"/>
-              </a:spcBef>
-              <a:spcAft>
-                <a:spcPts val="0"/>
-              </a:spcAft>
-              <a:defRPr/>
-            </a:pPr>
-            <a:r>
-              <a:rPr lang="en-US" sz="1800" b="0" kern="0">
-                <a:solidFill>
-                  <a:sysClr val="windowText" lastClr="000000"/>
-                </a:solidFill>
-                <a:ea typeface="+mn-ea"/>
-                <a:cs typeface="+mn-cs"/>
-              </a:rPr>
-              <a:t>Index</a:t>
-            </a:r>
-          </a:p>
-        </p:txBody>
-      </p:sp>
-      <p:sp>
-        <p:nvSpPr>
-          <p:cNvPr id="35" name="Rectangle 9"/>
-          <p:cNvSpPr>
-            <a:spLocks noChangeArrowheads="1"/>
-          </p:cNvSpPr>
-          <p:nvPr/>
-        </p:nvSpPr>
-        <p:spPr bwMode="auto">
-          <a:xfrm>
-            <a:off x="2073275" y="3598449"/>
-            <a:ext cx="4038600" cy="1447800"/>
-          </a:xfrm>
-          <a:prstGeom prst="rect">
-            <a:avLst/>
-          </a:prstGeom>
-          <a:noFill/>
-          <a:ln w="9525">
-            <a:solidFill>
-              <a:srgbClr val="000000"/>
-            </a:solidFill>
-            <a:miter lim="800000"/>
-            <a:headEnd/>
-            <a:tailEnd/>
-          </a:ln>
-          <a:effectLst/>
-        </p:spPr>
-        <p:txBody>
-          <a:bodyPr wrap="none" anchor="ctr"/>
-          <a:lstStyle/>
-          <a:p>
-            <a:pPr fontAlgn="auto">
-              <a:spcBef>
-                <a:spcPts val="0"/>
-              </a:spcBef>
-              <a:spcAft>
-                <a:spcPts val="0"/>
-              </a:spcAft>
-              <a:defRPr/>
-            </a:pPr>
-            <a:endParaRPr lang="en-US" sz="1800" b="0" kern="0">
-              <a:solidFill>
-                <a:sysClr val="windowText" lastClr="000000"/>
-              </a:solidFill>
-              <a:ea typeface="+mn-ea"/>
-              <a:cs typeface="+mn-cs"/>
-            </a:endParaRPr>
-          </a:p>
-        </p:txBody>
-      </p:sp>
-      <p:sp>
-        <p:nvSpPr>
-          <p:cNvPr id="36" name="Text Box 16"/>
-          <p:cNvSpPr txBox="1">
-            <a:spLocks noChangeArrowheads="1"/>
-          </p:cNvSpPr>
-          <p:nvPr/>
-        </p:nvSpPr>
-        <p:spPr bwMode="auto">
-          <a:xfrm>
-            <a:off x="2149475" y="3750849"/>
-            <a:ext cx="838200" cy="641350"/>
-          </a:xfrm>
-          <a:prstGeom prst="rect">
-            <a:avLst/>
-          </a:prstGeom>
-          <a:noFill/>
-          <a:ln w="9525">
-            <a:noFill/>
-            <a:miter lim="800000"/>
-            <a:headEnd/>
-            <a:tailEnd/>
-          </a:ln>
-          <a:effectLst/>
-        </p:spPr>
-        <p:txBody>
-          <a:bodyPr>
-            <a:spAutoFit/>
-          </a:bodyPr>
-          <a:lstStyle/>
-          <a:p>
-            <a:pPr fontAlgn="auto">
-              <a:spcBef>
-                <a:spcPts val="0"/>
-              </a:spcBef>
-              <a:spcAft>
-                <a:spcPts val="0"/>
-              </a:spcAft>
-              <a:defRPr/>
-            </a:pPr>
-            <a:r>
-              <a:rPr lang="en-US" sz="1800" b="0" kern="0">
-                <a:solidFill>
-                  <a:sysClr val="windowText" lastClr="000000"/>
-                </a:solidFill>
-                <a:ea typeface="+mn-ea"/>
-                <a:cs typeface="+mn-cs"/>
-              </a:rPr>
-              <a:t>64K block</a:t>
-            </a:r>
-          </a:p>
-        </p:txBody>
-      </p:sp>
-      <p:sp>
-        <p:nvSpPr>
-          <p:cNvPr id="37" name="Text Box 17"/>
-          <p:cNvSpPr txBox="1">
-            <a:spLocks noChangeArrowheads="1"/>
-          </p:cNvSpPr>
-          <p:nvPr/>
-        </p:nvSpPr>
-        <p:spPr bwMode="auto">
-          <a:xfrm>
-            <a:off x="3140075" y="3750849"/>
-            <a:ext cx="838200" cy="641350"/>
-          </a:xfrm>
-          <a:prstGeom prst="rect">
-            <a:avLst/>
-          </a:prstGeom>
-          <a:noFill/>
-          <a:ln w="9525">
-            <a:noFill/>
-            <a:miter lim="800000"/>
-            <a:headEnd/>
-            <a:tailEnd/>
-          </a:ln>
-          <a:effectLst/>
-        </p:spPr>
-        <p:txBody>
-          <a:bodyPr>
-            <a:spAutoFit/>
-          </a:bodyPr>
-          <a:lstStyle/>
-          <a:p>
-            <a:pPr fontAlgn="auto">
-              <a:spcBef>
-                <a:spcPts val="0"/>
-              </a:spcBef>
-              <a:spcAft>
-                <a:spcPts val="0"/>
-              </a:spcAft>
-              <a:defRPr/>
-            </a:pPr>
-            <a:r>
-              <a:rPr lang="en-US" sz="1800" b="0" kern="0" dirty="0">
-                <a:solidFill>
-                  <a:sysClr val="windowText" lastClr="000000"/>
-                </a:solidFill>
-                <a:ea typeface="+mn-ea"/>
-                <a:cs typeface="+mn-cs"/>
-              </a:rPr>
-              <a:t>64K block</a:t>
-            </a:r>
-          </a:p>
-        </p:txBody>
-      </p:sp>
-      <p:sp>
-        <p:nvSpPr>
-          <p:cNvPr id="38" name="Text Box 18"/>
-          <p:cNvSpPr txBox="1">
-            <a:spLocks noChangeArrowheads="1"/>
-          </p:cNvSpPr>
-          <p:nvPr/>
-        </p:nvSpPr>
-        <p:spPr bwMode="auto">
-          <a:xfrm>
-            <a:off x="4130675" y="3750849"/>
-            <a:ext cx="838200" cy="641350"/>
-          </a:xfrm>
-          <a:prstGeom prst="rect">
-            <a:avLst/>
-          </a:prstGeom>
-          <a:noFill/>
-          <a:ln w="9525">
-            <a:noFill/>
-            <a:miter lim="800000"/>
-            <a:headEnd/>
-            <a:tailEnd/>
-          </a:ln>
-          <a:effectLst/>
-        </p:spPr>
-        <p:txBody>
-          <a:bodyPr>
-            <a:spAutoFit/>
-          </a:bodyPr>
-          <a:lstStyle/>
-          <a:p>
-            <a:pPr fontAlgn="auto">
-              <a:spcBef>
-                <a:spcPts val="0"/>
-              </a:spcBef>
-              <a:spcAft>
-                <a:spcPts val="0"/>
-              </a:spcAft>
-              <a:defRPr/>
-            </a:pPr>
-            <a:r>
-              <a:rPr lang="en-US" sz="1800" b="0" kern="0">
-                <a:solidFill>
-                  <a:sysClr val="windowText" lastClr="000000"/>
-                </a:solidFill>
-                <a:ea typeface="+mn-ea"/>
-                <a:cs typeface="+mn-cs"/>
-              </a:rPr>
-              <a:t>64K block</a:t>
-            </a:r>
-          </a:p>
-        </p:txBody>
-      </p:sp>
-      <p:sp>
-        <p:nvSpPr>
-          <p:cNvPr id="39" name="Text Box 19"/>
-          <p:cNvSpPr txBox="1">
-            <a:spLocks noChangeArrowheads="1"/>
-          </p:cNvSpPr>
-          <p:nvPr/>
-        </p:nvSpPr>
-        <p:spPr bwMode="auto">
-          <a:xfrm>
-            <a:off x="5105400" y="3634962"/>
-            <a:ext cx="1060450" cy="366712"/>
-          </a:xfrm>
-          <a:prstGeom prst="rect">
-            <a:avLst/>
-          </a:prstGeom>
-          <a:noFill/>
-          <a:ln w="9525">
-            <a:noFill/>
-            <a:miter lim="800000"/>
-            <a:headEnd/>
-            <a:tailEnd/>
-          </a:ln>
-          <a:effectLst/>
-        </p:spPr>
-        <p:txBody>
-          <a:bodyPr wrap="none">
-            <a:spAutoFit/>
-          </a:bodyPr>
-          <a:lstStyle/>
-          <a:p>
-            <a:pPr fontAlgn="auto">
-              <a:spcBef>
-                <a:spcPts val="0"/>
-              </a:spcBef>
-              <a:spcAft>
-                <a:spcPts val="0"/>
-              </a:spcAft>
-              <a:defRPr/>
-            </a:pPr>
-            <a:r>
-              <a:rPr lang="en-US" sz="1800" b="0" kern="0">
-                <a:solidFill>
-                  <a:sysClr val="windowText" lastClr="000000"/>
-                </a:solidFill>
-                <a:ea typeface="+mn-ea"/>
-                <a:cs typeface="+mn-cs"/>
-              </a:rPr>
-              <a:t>SSTable</a:t>
-            </a:r>
-          </a:p>
-        </p:txBody>
-      </p:sp>
+      </p:pic>
     </p:spTree>
     <p:extLst>
       <p:ext uri="{BB962C8B-B14F-4D97-AF65-F5344CB8AC3E}">
@@ -20259,70 +18761,12 @@
           <a:p>
             <a:r>
               <a:rPr lang="en-US" dirty="0" smtClean="0"/>
-              <a:t>Tablet</a:t>
-            </a:r>
-            <a:r>
-              <a:rPr lang="en-US" dirty="0" smtClean="0"/>
-              <a:t> Server Implementation</a:t>
+              <a:t>Tablet Server Implementation</a:t>
             </a:r>
             <a:endParaRPr lang="en-US" dirty="0"/>
           </a:p>
         </p:txBody>
       </p:sp>
-      <p:pic>
-        <p:nvPicPr>
-          <p:cNvPr id="4" name="Picture 3" descr="Bigtable_TabletServing.png"/>
-          <p:cNvPicPr>
-            <a:picLocks noChangeAspect="1"/>
-          </p:cNvPicPr>
-          <p:nvPr/>
-        </p:nvPicPr>
-        <p:blipFill>
-          <a:blip r:embed="rId2">
-            <a:extLst>
-              <a:ext uri="{28A0092B-C50C-407E-A947-70E740481C1C}">
-                <a14:useLocalDpi xmlns:a14="http://schemas.microsoft.com/office/drawing/2010/main" val="0"/>
-              </a:ext>
-            </a:extLst>
-          </a:blip>
-          <a:srcRect/>
-          <a:stretch>
-            <a:fillRect/>
-          </a:stretch>
-        </p:blipFill>
-        <p:spPr bwMode="auto">
-          <a:xfrm>
-            <a:off x="1172847" y="1852111"/>
-            <a:ext cx="7043737" cy="4143375"/>
-          </a:xfrm>
-          <a:prstGeom prst="rect">
-            <a:avLst/>
-          </a:prstGeom>
-          <a:noFill/>
-          <a:ln>
-            <a:noFill/>
-          </a:ln>
-          <a:extLst>
-            <a:ext uri="{909E8E84-426E-40dd-AFC4-6F175D3DCCD1}">
-              <a14:hiddenFill xmlns:a14="http://schemas.microsoft.com/office/drawing/2010/main">
-                <a:solidFill>
-                  <a:srgbClr val="FFFFFF"/>
-                </a:solidFill>
-              </a14:hiddenFill>
-            </a:ext>
-            <a:ext uri="{91240B29-F687-4f45-9708-019B960494DF}">
-              <a14:hiddenLine xmlns:a14="http://schemas.microsoft.com/office/drawing/2010/main" w="9525">
-                <a:solidFill>
-                  <a:srgbClr val="000000"/>
-                </a:solidFill>
-                <a:miter lim="800000"/>
-                <a:headEnd/>
-                <a:tailEnd/>
-              </a14:hiddenLine>
-            </a:ext>
-          </a:extLst>
-        </p:spPr>
-      </p:pic>
       <p:sp>
         <p:nvSpPr>
           <p:cNvPr id="7" name="TextBox 4"/>
@@ -20493,15 +18937,45 @@
           </a:p>
         </p:txBody>
       </p:sp>
-      <p:sp>
-        <p:nvSpPr>
-          <p:cNvPr id="8" name="Right Arrow 7"/>
+      <p:pic>
+        <p:nvPicPr>
+          <p:cNvPr id="3" name="图片 2" descr="pic8.eps"/>
+          <p:cNvPicPr>
+            <a:picLocks noChangeAspect="1"/>
+          </p:cNvPicPr>
+          <p:nvPr/>
+        </p:nvPicPr>
+        <p:blipFill>
+          <a:blip r:embed="rId3">
+            <a:extLst>
+              <a:ext uri="{28A0092B-C50C-407E-A947-70E740481C1C}">
+                <a14:useLocalDpi xmlns:a14="http://schemas.microsoft.com/office/drawing/2010/main" val="0"/>
+              </a:ext>
+            </a:extLst>
+          </a:blip>
+          <a:stretch>
+            <a:fillRect/>
+          </a:stretch>
+        </p:blipFill>
+        <p:spPr>
+          <a:xfrm>
+            <a:off x="1048774" y="1544971"/>
+            <a:ext cx="7890387" cy="4707964"/>
+          </a:xfrm>
+          <a:prstGeom prst="rect">
+            <a:avLst/>
+          </a:prstGeom>
+        </p:spPr>
+      </p:pic>
+      <p:sp>
+        <p:nvSpPr>
+          <p:cNvPr id="10" name="Right Arrow 7"/>
           <p:cNvSpPr/>
           <p:nvPr/>
         </p:nvSpPr>
         <p:spPr>
           <a:xfrm>
-            <a:off x="966881" y="4238789"/>
+            <a:off x="606365" y="4148660"/>
             <a:ext cx="852478" cy="514833"/>
           </a:xfrm>
           <a:prstGeom prst="rightArrow">
@@ -20533,7 +19007,7 @@
       </p:sp>
       <p:sp>
         <p:nvSpPr>
-          <p:cNvPr id="9" name="TextBox 8"/>
+          <p:cNvPr id="11" name="TextBox 8"/>
           <p:cNvSpPr txBox="1"/>
           <p:nvPr/>
         </p:nvSpPr>
@@ -20616,11 +19090,7 @@
           <a:p>
             <a:r>
               <a:rPr lang="en-US" dirty="0" smtClean="0"/>
-              <a:t>Tablet</a:t>
-            </a:r>
-            <a:r>
-              <a:rPr lang="en-US" dirty="0" smtClean="0"/>
-              <a:t> Server Implementation: Compactions</a:t>
+              <a:t>Tablet Server Implementation: Compactions</a:t>
             </a:r>
             <a:endParaRPr lang="en-US" dirty="0"/>
           </a:p>
@@ -21125,67 +19595,43 @@
       </p:sp>
       <p:pic>
         <p:nvPicPr>
-          <p:cNvPr id="4" name="Picture 3" descr="Bigtable_TabletServing.png"/>
+          <p:cNvPr id="6" name="图片 5" descr="pic8.eps"/>
           <p:cNvPicPr>
             <a:picLocks noChangeAspect="1"/>
           </p:cNvPicPr>
           <p:nvPr/>
         </p:nvPicPr>
         <p:blipFill>
-          <a:blip r:embed="rId2">
+          <a:blip r:embed="rId3">
             <a:extLst>
               <a:ext uri="{28A0092B-C50C-407E-A947-70E740481C1C}">
                 <a14:useLocalDpi xmlns:a14="http://schemas.microsoft.com/office/drawing/2010/main" val="0"/>
               </a:ext>
             </a:extLst>
           </a:blip>
-          <a:srcRect/>
           <a:stretch>
             <a:fillRect/>
           </a:stretch>
         </p:blipFill>
-        <p:spPr bwMode="auto">
+        <p:spPr>
           <a:xfrm>
-            <a:off x="4425234" y="3878407"/>
-            <a:ext cx="4261566" cy="2506804"/>
+            <a:off x="4177727" y="3916045"/>
+            <a:ext cx="4832586" cy="2883463"/>
           </a:xfrm>
           <a:prstGeom prst="rect">
             <a:avLst/>
           </a:prstGeom>
-          <a:noFill/>
-          <a:ln>
-            <a:noFill/>
-          </a:ln>
-          <a:extLst>
-            <a:ext uri="{909E8E84-426E-40dd-AFC4-6F175D3DCCD1}">
-              <a14:hiddenFill xmlns:a14="http://schemas.microsoft.com/office/drawing/2010/main">
-                <a:solidFill>
-                  <a:srgbClr val="FFFFFF"/>
-                </a:solidFill>
-              </a14:hiddenFill>
-            </a:ext>
-            <a:ext uri="{91240B29-F687-4f45-9708-019B960494DF}">
-              <a14:hiddenLine xmlns:a14="http://schemas.microsoft.com/office/drawing/2010/main" w="9525">
-                <a:solidFill>
-                  <a:srgbClr val="000000"/>
-                </a:solidFill>
-                <a:miter lim="800000"/>
-                <a:headEnd/>
-                <a:tailEnd/>
-              </a14:hiddenLine>
-            </a:ext>
-          </a:extLst>
         </p:spPr>
       </p:pic>
       <p:sp>
         <p:nvSpPr>
-          <p:cNvPr id="5" name="Multiply 4"/>
+          <p:cNvPr id="7" name="Multiply 4"/>
           <p:cNvSpPr/>
           <p:nvPr/>
         </p:nvSpPr>
         <p:spPr>
           <a:xfrm>
-            <a:off x="5346367" y="4034142"/>
+            <a:off x="5162547" y="4042498"/>
             <a:ext cx="1149973" cy="617800"/>
           </a:xfrm>
           <a:prstGeom prst="mathMultiply">
